--- a/doc/3D-QR-Code_Web.pptx
+++ b/doc/3D-QR-Code_Web.pptx
@@ -8,9 +8,12 @@
     <p:sldId id="256" r:id="rId2"/>
     <p:sldId id="257" r:id="rId3"/>
     <p:sldId id="258" r:id="rId4"/>
-    <p:sldId id="259" r:id="rId5"/>
-    <p:sldId id="260" r:id="rId6"/>
-    <p:sldId id="261" r:id="rId7"/>
+    <p:sldId id="262" r:id="rId5"/>
+    <p:sldId id="263" r:id="rId6"/>
+    <p:sldId id="264" r:id="rId7"/>
+    <p:sldId id="259" r:id="rId8"/>
+    <p:sldId id="260" r:id="rId9"/>
+    <p:sldId id="261" r:id="rId10"/>
   </p:sldIdLst>
   <p:sldSz cx="9144000" cy="6858000" type="screen4x3"/>
   <p:notesSz cx="6858000" cy="9144000"/>
@@ -248,7 +251,7 @@
           <a:p>
             <a:fld id="{20A5EF45-D653-4E98-8DFF-153399A2124B}" type="datetimeFigureOut">
               <a:rPr lang="zh-CN" altLang="en-US" smtClean="0"/>
-              <a:t>2018/4/16</a:t>
+              <a:t>2018/4/17</a:t>
             </a:fld>
             <a:endParaRPr lang="zh-CN" altLang="en-US"/>
           </a:p>
@@ -418,7 +421,7 @@
           <a:p>
             <a:fld id="{20A5EF45-D653-4E98-8DFF-153399A2124B}" type="datetimeFigureOut">
               <a:rPr lang="zh-CN" altLang="en-US" smtClean="0"/>
-              <a:t>2018/4/16</a:t>
+              <a:t>2018/4/17</a:t>
             </a:fld>
             <a:endParaRPr lang="zh-CN" altLang="en-US"/>
           </a:p>
@@ -598,7 +601,7 @@
           <a:p>
             <a:fld id="{20A5EF45-D653-4E98-8DFF-153399A2124B}" type="datetimeFigureOut">
               <a:rPr lang="zh-CN" altLang="en-US" smtClean="0"/>
-              <a:t>2018/4/16</a:t>
+              <a:t>2018/4/17</a:t>
             </a:fld>
             <a:endParaRPr lang="zh-CN" altLang="en-US"/>
           </a:p>
@@ -768,7 +771,7 @@
           <a:p>
             <a:fld id="{20A5EF45-D653-4E98-8DFF-153399A2124B}" type="datetimeFigureOut">
               <a:rPr lang="zh-CN" altLang="en-US" smtClean="0"/>
-              <a:t>2018/4/16</a:t>
+              <a:t>2018/4/17</a:t>
             </a:fld>
             <a:endParaRPr lang="zh-CN" altLang="en-US"/>
           </a:p>
@@ -1012,7 +1015,7 @@
           <a:p>
             <a:fld id="{20A5EF45-D653-4E98-8DFF-153399A2124B}" type="datetimeFigureOut">
               <a:rPr lang="zh-CN" altLang="en-US" smtClean="0"/>
-              <a:t>2018/4/16</a:t>
+              <a:t>2018/4/17</a:t>
             </a:fld>
             <a:endParaRPr lang="zh-CN" altLang="en-US"/>
           </a:p>
@@ -1244,7 +1247,7 @@
           <a:p>
             <a:fld id="{20A5EF45-D653-4E98-8DFF-153399A2124B}" type="datetimeFigureOut">
               <a:rPr lang="zh-CN" altLang="en-US" smtClean="0"/>
-              <a:t>2018/4/16</a:t>
+              <a:t>2018/4/17</a:t>
             </a:fld>
             <a:endParaRPr lang="zh-CN" altLang="en-US"/>
           </a:p>
@@ -1611,7 +1614,7 @@
           <a:p>
             <a:fld id="{20A5EF45-D653-4E98-8DFF-153399A2124B}" type="datetimeFigureOut">
               <a:rPr lang="zh-CN" altLang="en-US" smtClean="0"/>
-              <a:t>2018/4/16</a:t>
+              <a:t>2018/4/17</a:t>
             </a:fld>
             <a:endParaRPr lang="zh-CN" altLang="en-US"/>
           </a:p>
@@ -1729,7 +1732,7 @@
           <a:p>
             <a:fld id="{20A5EF45-D653-4E98-8DFF-153399A2124B}" type="datetimeFigureOut">
               <a:rPr lang="zh-CN" altLang="en-US" smtClean="0"/>
-              <a:t>2018/4/16</a:t>
+              <a:t>2018/4/17</a:t>
             </a:fld>
             <a:endParaRPr lang="zh-CN" altLang="en-US"/>
           </a:p>
@@ -1824,7 +1827,7 @@
           <a:p>
             <a:fld id="{20A5EF45-D653-4E98-8DFF-153399A2124B}" type="datetimeFigureOut">
               <a:rPr lang="zh-CN" altLang="en-US" smtClean="0"/>
-              <a:t>2018/4/16</a:t>
+              <a:t>2018/4/17</a:t>
             </a:fld>
             <a:endParaRPr lang="zh-CN" altLang="en-US"/>
           </a:p>
@@ -2101,7 +2104,7 @@
           <a:p>
             <a:fld id="{20A5EF45-D653-4E98-8DFF-153399A2124B}" type="datetimeFigureOut">
               <a:rPr lang="zh-CN" altLang="en-US" smtClean="0"/>
-              <a:t>2018/4/16</a:t>
+              <a:t>2018/4/17</a:t>
             </a:fld>
             <a:endParaRPr lang="zh-CN" altLang="en-US"/>
           </a:p>
@@ -2358,7 +2361,7 @@
           <a:p>
             <a:fld id="{20A5EF45-D653-4E98-8DFF-153399A2124B}" type="datetimeFigureOut">
               <a:rPr lang="zh-CN" altLang="en-US" smtClean="0"/>
-              <a:t>2018/4/16</a:t>
+              <a:t>2018/4/17</a:t>
             </a:fld>
             <a:endParaRPr lang="zh-CN" altLang="en-US"/>
           </a:p>
@@ -2571,7 +2574,7 @@
           <a:p>
             <a:fld id="{20A5EF45-D653-4E98-8DFF-153399A2124B}" type="datetimeFigureOut">
               <a:rPr lang="zh-CN" altLang="en-US" smtClean="0"/>
-              <a:t>2018/4/16</a:t>
+              <a:t>2018/4/17</a:t>
             </a:fld>
             <a:endParaRPr lang="zh-CN" altLang="en-US"/>
           </a:p>
@@ -4154,7 +4157,7 @@
           <a:p>
             <a:r>
               <a:rPr lang="zh-CN" altLang="en-US" sz="2800" b="1" dirty="0" smtClean="0"/>
-              <a:t>场景搭建</a:t>
+              <a:t>前端界面</a:t>
             </a:r>
             <a:endParaRPr lang="zh-CN" altLang="en-US" sz="2800" b="1" dirty="0"/>
           </a:p>
@@ -4162,14 +4165,55 @@
       </p:sp>
       <p:sp>
         <p:nvSpPr>
-          <p:cNvPr id="15" name="文本框 14"/>
+          <p:cNvPr id="4" name="矩形 3"/>
+          <p:cNvSpPr/>
+          <p:nvPr/>
+        </p:nvSpPr>
+        <p:spPr>
+          <a:xfrm>
+            <a:off x="621437" y="1689279"/>
+            <a:ext cx="7901126" cy="4621541"/>
+          </a:xfrm>
+          <a:prstGeom prst="rect">
+            <a:avLst/>
+          </a:prstGeom>
+          <a:noFill/>
+        </p:spPr>
+        <p:style>
+          <a:lnRef idx="2">
+            <a:schemeClr val="accent1">
+              <a:shade val="50000"/>
+            </a:schemeClr>
+          </a:lnRef>
+          <a:fillRef idx="1">
+            <a:schemeClr val="accent1"/>
+          </a:fillRef>
+          <a:effectRef idx="0">
+            <a:schemeClr val="accent1"/>
+          </a:effectRef>
+          <a:fontRef idx="minor">
+            <a:schemeClr val="lt1"/>
+          </a:fontRef>
+        </p:style>
+        <p:txBody>
+          <a:bodyPr rtlCol="0" anchor="ctr"/>
+          <a:lstStyle/>
+          <a:p>
+            <a:pPr algn="ctr"/>
+            <a:endParaRPr lang="zh-CN" altLang="en-US"/>
+          </a:p>
+        </p:txBody>
+      </p:sp>
+      <p:sp>
+        <p:nvSpPr>
+          <p:cNvPr id="6" name="文本框 5"/>
           <p:cNvSpPr txBox="1"/>
           <p:nvPr/>
         </p:nvSpPr>
         <p:spPr>
           <a:xfrm>
             <a:off x="276225" y="1126577"/>
-            <a:ext cx="8486775" cy="3046988"/>
+            <a:ext cx="8486775" cy="461665"/>
           </a:xfrm>
           <a:prstGeom prst="rect">
             <a:avLst/>
@@ -4188,120 +4232,525 @@
             </a:pPr>
             <a:r>
               <a:rPr lang="zh-CN" altLang="en-US" sz="2400" dirty="0" smtClean="0"/>
-              <a:t>技术：采用</a:t>
-            </a:r>
-            <a:r>
-              <a:rPr lang="en-US" altLang="zh-CN" sz="2400" dirty="0" err="1" smtClean="0"/>
-              <a:t>WebGL</a:t>
-            </a:r>
-            <a:r>
-              <a:rPr lang="zh-CN" altLang="en-US" sz="2400" dirty="0" smtClean="0"/>
-              <a:t>封装好的</a:t>
-            </a:r>
-            <a:r>
-              <a:rPr lang="en-US" altLang="zh-CN" sz="2400" dirty="0" smtClean="0"/>
-              <a:t>Three.js</a:t>
-            </a:r>
-            <a:r>
-              <a:rPr lang="zh-CN" altLang="en-US" sz="2400" dirty="0" smtClean="0"/>
-              <a:t>库</a:t>
-            </a:r>
-            <a:endParaRPr lang="en-US" altLang="zh-CN" sz="2400" dirty="0" smtClean="0"/>
-          </a:p>
-          <a:p>
-            <a:pPr marL="342900" indent="-342900">
-              <a:buFont typeface="Arial" panose="020B0604020202020204" pitchFamily="34" charset="0"/>
-              <a:buChar char="•"/>
-            </a:pPr>
-            <a:r>
-              <a:rPr lang="zh-CN" altLang="en-US" sz="2400" dirty="0" smtClean="0"/>
-              <a:t>实现：</a:t>
-            </a:r>
-            <a:endParaRPr lang="en-US" altLang="zh-CN" sz="2400" dirty="0" smtClean="0"/>
-          </a:p>
-          <a:p>
-            <a:pPr marL="800100" lvl="1" indent="-342900">
-              <a:buFont typeface="Arial" panose="020B0604020202020204" pitchFamily="34" charset="0"/>
-              <a:buChar char="•"/>
-            </a:pPr>
-            <a:r>
-              <a:rPr lang="zh-CN" altLang="en-US" sz="2400" dirty="0" smtClean="0"/>
-              <a:t>前端预留画布部分场景搭建，包括：相机、灯光、材质、渲染器等</a:t>
-            </a:r>
-            <a:endParaRPr lang="en-US" altLang="zh-CN" sz="2400" dirty="0" smtClean="0"/>
-          </a:p>
-          <a:p>
-            <a:pPr marL="800100" lvl="1" indent="-342900">
-              <a:buFont typeface="Arial" panose="020B0604020202020204" pitchFamily="34" charset="0"/>
-              <a:buChar char="•"/>
-            </a:pPr>
-            <a:r>
-              <a:rPr lang="en-US" altLang="zh-CN" sz="2400" dirty="0"/>
-              <a:t>Load</a:t>
-            </a:r>
-            <a:r>
-              <a:rPr lang="zh-CN" altLang="en-US" sz="2400" dirty="0" smtClean="0"/>
-              <a:t>本地</a:t>
-            </a:r>
-            <a:r>
-              <a:rPr lang="en-US" altLang="zh-CN" sz="2400" dirty="0" smtClean="0"/>
+              <a:t>镂空二维码模块</a:t>
+            </a:r>
+            <a:endParaRPr lang="en-US" altLang="zh-CN" sz="2400" dirty="0"/>
+          </a:p>
+        </p:txBody>
+      </p:sp>
+      <p:cxnSp>
+        <p:nvCxnSpPr>
+          <p:cNvPr id="7" name="直接连接符 6"/>
+          <p:cNvCxnSpPr/>
+          <p:nvPr/>
+        </p:nvCxnSpPr>
+        <p:spPr>
+          <a:xfrm>
+            <a:off x="621437" y="2422401"/>
+            <a:ext cx="7901126" cy="0"/>
+          </a:xfrm>
+          <a:prstGeom prst="line">
+            <a:avLst/>
+          </a:prstGeom>
+        </p:spPr>
+        <p:style>
+          <a:lnRef idx="1">
+            <a:schemeClr val="dk1"/>
+          </a:lnRef>
+          <a:fillRef idx="0">
+            <a:schemeClr val="dk1"/>
+          </a:fillRef>
+          <a:effectRef idx="0">
+            <a:schemeClr val="dk1"/>
+          </a:effectRef>
+          <a:fontRef idx="minor">
+            <a:schemeClr val="tx1"/>
+          </a:fontRef>
+        </p:style>
+      </p:cxnSp>
+      <p:sp>
+        <p:nvSpPr>
+          <p:cNvPr id="8" name="文本框 7"/>
+          <p:cNvSpPr txBox="1"/>
+          <p:nvPr/>
+        </p:nvSpPr>
+        <p:spPr>
+          <a:xfrm>
+            <a:off x="965446" y="1878930"/>
+            <a:ext cx="1091954" cy="369332"/>
+          </a:xfrm>
+          <a:prstGeom prst="rect">
+            <a:avLst/>
+          </a:prstGeom>
+          <a:noFill/>
+        </p:spPr>
+        <p:txBody>
+          <a:bodyPr wrap="square" rtlCol="0">
+            <a:spAutoFit/>
+          </a:bodyPr>
+          <a:lstStyle/>
+          <a:p>
+            <a:r>
+              <a:rPr lang="zh-CN" altLang="en-US" dirty="0" smtClean="0"/>
+              <a:t>图片</a:t>
+            </a:r>
+            <a:r>
+              <a:rPr lang="en-US" altLang="zh-CN" dirty="0" smtClean="0"/>
+              <a:t>logo</a:t>
+            </a:r>
+            <a:endParaRPr lang="zh-CN" altLang="en-US" dirty="0"/>
+          </a:p>
+        </p:txBody>
+      </p:sp>
+      <p:sp>
+        <p:nvSpPr>
+          <p:cNvPr id="9" name="矩形 8"/>
+          <p:cNvSpPr/>
+          <p:nvPr/>
+        </p:nvSpPr>
+        <p:spPr>
+          <a:xfrm>
+            <a:off x="3045042" y="1906493"/>
+            <a:ext cx="5255580" cy="374627"/>
+          </a:xfrm>
+          <a:prstGeom prst="rect">
+            <a:avLst/>
+          </a:prstGeom>
+          <a:noFill/>
+        </p:spPr>
+        <p:style>
+          <a:lnRef idx="2">
+            <a:schemeClr val="accent1">
+              <a:shade val="50000"/>
+            </a:schemeClr>
+          </a:lnRef>
+          <a:fillRef idx="1">
+            <a:schemeClr val="accent1"/>
+          </a:fillRef>
+          <a:effectRef idx="0">
+            <a:schemeClr val="accent1"/>
+          </a:effectRef>
+          <a:fontRef idx="minor">
+            <a:schemeClr val="lt1"/>
+          </a:fontRef>
+        </p:style>
+        <p:txBody>
+          <a:bodyPr rtlCol="0" anchor="ctr"/>
+          <a:lstStyle/>
+          <a:p>
+            <a:pPr algn="ctr"/>
+            <a:endParaRPr lang="zh-CN" altLang="en-US" dirty="0"/>
+          </a:p>
+        </p:txBody>
+      </p:sp>
+      <p:sp>
+        <p:nvSpPr>
+          <p:cNvPr id="11" name="文本框 10"/>
+          <p:cNvSpPr txBox="1"/>
+          <p:nvPr/>
+        </p:nvSpPr>
+        <p:spPr>
+          <a:xfrm>
+            <a:off x="3698427" y="1921377"/>
+            <a:ext cx="4771007" cy="369332"/>
+          </a:xfrm>
+          <a:prstGeom prst="rect">
+            <a:avLst/>
+          </a:prstGeom>
+          <a:noFill/>
+        </p:spPr>
+        <p:txBody>
+          <a:bodyPr wrap="square" rtlCol="0">
+            <a:spAutoFit/>
+          </a:bodyPr>
+          <a:lstStyle/>
+          <a:p>
+            <a:r>
+              <a:rPr lang="zh-CN" altLang="en-US" dirty="0" smtClean="0"/>
+              <a:t>导航：</a:t>
+            </a:r>
+            <a:r>
+              <a:rPr lang="en-US" altLang="zh-CN" dirty="0" smtClean="0"/>
+              <a:t>Home</a:t>
+            </a:r>
+            <a:r>
+              <a:rPr lang="zh-CN" altLang="en-US" dirty="0" smtClean="0"/>
+              <a:t>、</a:t>
+            </a:r>
+            <a:r>
+              <a:rPr lang="en-US" altLang="zh-CN" dirty="0" smtClean="0"/>
+              <a:t>About</a:t>
+            </a:r>
+            <a:r>
+              <a:rPr lang="zh-CN" altLang="en-US" dirty="0" smtClean="0"/>
+              <a:t>、自由发挥吧</a:t>
+            </a:r>
+            <a:r>
+              <a:rPr lang="en-US" altLang="zh-CN" dirty="0" smtClean="0"/>
+              <a:t>……</a:t>
+            </a:r>
+            <a:endParaRPr lang="zh-CN" altLang="en-US" dirty="0"/>
+          </a:p>
+        </p:txBody>
+      </p:sp>
+      <p:cxnSp>
+        <p:nvCxnSpPr>
+          <p:cNvPr id="16" name="直接连接符 15"/>
+          <p:cNvCxnSpPr/>
+          <p:nvPr/>
+        </p:nvCxnSpPr>
+        <p:spPr>
+          <a:xfrm>
+            <a:off x="621437" y="5593209"/>
+            <a:ext cx="7901126" cy="0"/>
+          </a:xfrm>
+          <a:prstGeom prst="line">
+            <a:avLst/>
+          </a:prstGeom>
+        </p:spPr>
+        <p:style>
+          <a:lnRef idx="1">
+            <a:schemeClr val="dk1"/>
+          </a:lnRef>
+          <a:fillRef idx="0">
+            <a:schemeClr val="dk1"/>
+          </a:fillRef>
+          <a:effectRef idx="0">
+            <a:schemeClr val="dk1"/>
+          </a:effectRef>
+          <a:fontRef idx="minor">
+            <a:schemeClr val="tx1"/>
+          </a:fontRef>
+        </p:style>
+      </p:cxnSp>
+      <p:sp>
+        <p:nvSpPr>
+          <p:cNvPr id="13" name="文本框 12"/>
+          <p:cNvSpPr txBox="1"/>
+          <p:nvPr/>
+        </p:nvSpPr>
+        <p:spPr>
+          <a:xfrm>
+            <a:off x="3698427" y="5767349"/>
+            <a:ext cx="1642369" cy="369332"/>
+          </a:xfrm>
+          <a:prstGeom prst="rect">
+            <a:avLst/>
+          </a:prstGeom>
+          <a:noFill/>
+        </p:spPr>
+        <p:txBody>
+          <a:bodyPr wrap="square" rtlCol="0">
+            <a:spAutoFit/>
+          </a:bodyPr>
+          <a:lstStyle/>
+          <a:p>
+            <a:r>
+              <a:rPr lang="zh-CN" altLang="en-US" dirty="0" smtClean="0"/>
+              <a:t>页脚，你懂的</a:t>
+            </a:r>
+            <a:endParaRPr lang="zh-CN" altLang="en-US" dirty="0"/>
+          </a:p>
+        </p:txBody>
+      </p:sp>
+      <p:sp>
+        <p:nvSpPr>
+          <p:cNvPr id="18" name="矩形 17"/>
+          <p:cNvSpPr/>
+          <p:nvPr/>
+        </p:nvSpPr>
+        <p:spPr>
+          <a:xfrm>
+            <a:off x="1317180" y="2743750"/>
+            <a:ext cx="3000374" cy="2454314"/>
+          </a:xfrm>
+          <a:prstGeom prst="rect">
+            <a:avLst/>
+          </a:prstGeom>
+          <a:noFill/>
+        </p:spPr>
+        <p:style>
+          <a:lnRef idx="2">
+            <a:schemeClr val="accent1">
+              <a:shade val="50000"/>
+            </a:schemeClr>
+          </a:lnRef>
+          <a:fillRef idx="1">
+            <a:schemeClr val="accent1"/>
+          </a:fillRef>
+          <a:effectRef idx="0">
+            <a:schemeClr val="accent1"/>
+          </a:effectRef>
+          <a:fontRef idx="minor">
+            <a:schemeClr val="lt1"/>
+          </a:fontRef>
+        </p:style>
+        <p:txBody>
+          <a:bodyPr rtlCol="0" anchor="ctr"/>
+          <a:lstStyle/>
+          <a:p>
+            <a:pPr algn="ctr"/>
+            <a:endParaRPr lang="zh-CN" altLang="en-US" dirty="0"/>
+          </a:p>
+        </p:txBody>
+      </p:sp>
+      <p:sp>
+        <p:nvSpPr>
+          <p:cNvPr id="19" name="文本框 18"/>
+          <p:cNvSpPr txBox="1"/>
+          <p:nvPr/>
+        </p:nvSpPr>
+        <p:spPr>
+          <a:xfrm>
+            <a:off x="5115825" y="5214528"/>
+            <a:ext cx="2673797" cy="369332"/>
+          </a:xfrm>
+          <a:prstGeom prst="rect">
+            <a:avLst/>
+          </a:prstGeom>
+          <a:noFill/>
+          <a:ln w="9525">
+            <a:solidFill>
+              <a:schemeClr val="tx1"/>
+            </a:solidFill>
+          </a:ln>
+        </p:spPr>
+        <p:txBody>
+          <a:bodyPr wrap="square" rtlCol="0">
+            <a:spAutoFit/>
+          </a:bodyPr>
+          <a:lstStyle/>
+          <a:p>
+            <a:r>
+              <a:rPr lang="zh-CN" altLang="en-US" dirty="0" smtClean="0"/>
+              <a:t>生成镂空二维码的</a:t>
+            </a:r>
+            <a:r>
+              <a:rPr lang="en-US" altLang="zh-CN" dirty="0" smtClean="0"/>
+              <a:t>button</a:t>
+            </a:r>
+            <a:endParaRPr lang="zh-CN" altLang="en-US" dirty="0"/>
+          </a:p>
+        </p:txBody>
+      </p:sp>
+      <p:sp>
+        <p:nvSpPr>
+          <p:cNvPr id="20" name="文本框 19"/>
+          <p:cNvSpPr txBox="1"/>
+          <p:nvPr/>
+        </p:nvSpPr>
+        <p:spPr>
+          <a:xfrm>
+            <a:off x="1171760" y="3344066"/>
+            <a:ext cx="3275120" cy="1200329"/>
+          </a:xfrm>
+          <a:prstGeom prst="rect">
+            <a:avLst/>
+          </a:prstGeom>
+          <a:noFill/>
+        </p:spPr>
+        <p:txBody>
+          <a:bodyPr wrap="square" rtlCol="0">
+            <a:spAutoFit/>
+          </a:bodyPr>
+          <a:lstStyle/>
+          <a:p>
+            <a:pPr algn="ctr"/>
+            <a:r>
+              <a:rPr lang="zh-CN" altLang="en-US" dirty="0" smtClean="0"/>
+              <a:t>用户上传</a:t>
+            </a:r>
+            <a:r>
+              <a:rPr lang="en-US" altLang="zh-CN" dirty="0" smtClean="0"/>
               <a:t>QR Image</a:t>
             </a:r>
-            <a:r>
-              <a:rPr lang="zh-CN" altLang="en-US" sz="2400" dirty="0"/>
-              <a:t>和</a:t>
-            </a:r>
-            <a:r>
-              <a:rPr lang="zh-CN" altLang="en-US" sz="2400" dirty="0" smtClean="0"/>
-              <a:t>模型</a:t>
-            </a:r>
-            <a:r>
-              <a:rPr lang="zh-CN" altLang="en-US" sz="2400" dirty="0"/>
-              <a:t>，</a:t>
-            </a:r>
-            <a:r>
-              <a:rPr lang="en-US" altLang="zh-CN" sz="2400" dirty="0"/>
-              <a:t>save</a:t>
-            </a:r>
-            <a:r>
-              <a:rPr lang="zh-CN" altLang="en-US" sz="2400" dirty="0"/>
-              <a:t>到本地，这两个操作与后台</a:t>
-            </a:r>
-            <a:r>
-              <a:rPr lang="zh-CN" altLang="en-US" sz="2400" dirty="0" smtClean="0"/>
-              <a:t>对接</a:t>
-            </a:r>
-            <a:endParaRPr lang="en-US" altLang="zh-CN" sz="2400" dirty="0" smtClean="0"/>
-          </a:p>
-          <a:p>
-            <a:pPr marL="800100" lvl="1" indent="-342900">
-              <a:buFont typeface="Arial" panose="020B0604020202020204" pitchFamily="34" charset="0"/>
-              <a:buChar char="•"/>
-            </a:pPr>
-            <a:r>
-              <a:rPr lang="zh-CN" altLang="en-US" sz="2400" dirty="0"/>
-              <a:t>添加键盘、鼠标响应事件实现</a:t>
-            </a:r>
-            <a:r>
-              <a:rPr lang="en-US" altLang="zh-CN" sz="2400" dirty="0"/>
-              <a:t>load</a:t>
-            </a:r>
-            <a:r>
-              <a:rPr lang="zh-CN" altLang="en-US" sz="2400" dirty="0"/>
-              <a:t>进场景的三维模型的基本操作，包括平移，旋转，缩放</a:t>
-            </a:r>
-            <a:r>
-              <a:rPr lang="zh-CN" altLang="en-US" sz="2400" dirty="0" smtClean="0"/>
-              <a:t>等</a:t>
-            </a:r>
-            <a:endParaRPr lang="en-US" altLang="zh-CN" sz="2400" dirty="0" smtClean="0"/>
+          </a:p>
+          <a:p>
+            <a:pPr algn="ctr"/>
+            <a:r>
+              <a:rPr lang="zh-CN" altLang="en-US" dirty="0" smtClean="0"/>
+              <a:t>格式的提示</a:t>
+            </a:r>
+            <a:endParaRPr lang="en-US" altLang="zh-CN" dirty="0" smtClean="0"/>
+          </a:p>
+          <a:p>
+            <a:pPr algn="ctr"/>
+            <a:r>
+              <a:rPr lang="zh-CN" altLang="en-US" dirty="0" smtClean="0"/>
+              <a:t>直接拖拽？</a:t>
+            </a:r>
+            <a:endParaRPr lang="en-US" altLang="zh-CN" dirty="0" smtClean="0"/>
+          </a:p>
+          <a:p>
+            <a:pPr algn="ctr"/>
+            <a:r>
+              <a:rPr lang="zh-CN" altLang="en-US" dirty="0"/>
+              <a:t>一</a:t>
+            </a:r>
+            <a:r>
+              <a:rPr lang="zh-CN" altLang="en-US" dirty="0" smtClean="0"/>
+              <a:t>个上传的按钮？</a:t>
+            </a:r>
+            <a:endParaRPr lang="en-US" altLang="zh-CN" dirty="0" smtClean="0"/>
+          </a:p>
+        </p:txBody>
+      </p:sp>
+      <p:sp>
+        <p:nvSpPr>
+          <p:cNvPr id="21" name="文本框 20"/>
+          <p:cNvSpPr txBox="1"/>
+          <p:nvPr/>
+        </p:nvSpPr>
+        <p:spPr>
+          <a:xfrm>
+            <a:off x="5224671" y="3732957"/>
+            <a:ext cx="2564951" cy="369332"/>
+          </a:xfrm>
+          <a:prstGeom prst="rect">
+            <a:avLst/>
+          </a:prstGeom>
+          <a:noFill/>
+          <a:ln w="9525">
+            <a:noFill/>
+          </a:ln>
+        </p:spPr>
+        <p:txBody>
+          <a:bodyPr wrap="square" rtlCol="0">
+            <a:spAutoFit/>
+          </a:bodyPr>
+          <a:lstStyle/>
+          <a:p>
+            <a:r>
+              <a:rPr lang="zh-CN" altLang="en-US" dirty="0" smtClean="0"/>
+              <a:t>镂空二维码的预览场景 </a:t>
+            </a:r>
+            <a:endParaRPr lang="zh-CN" altLang="en-US" dirty="0"/>
+          </a:p>
+        </p:txBody>
+      </p:sp>
+      <p:sp>
+        <p:nvSpPr>
+          <p:cNvPr id="22" name="矩形 21"/>
+          <p:cNvSpPr/>
+          <p:nvPr/>
+        </p:nvSpPr>
+        <p:spPr>
+          <a:xfrm>
+            <a:off x="4910346" y="2743750"/>
+            <a:ext cx="3019424" cy="2454314"/>
+          </a:xfrm>
+          <a:prstGeom prst="rect">
+            <a:avLst/>
+          </a:prstGeom>
+          <a:noFill/>
+        </p:spPr>
+        <p:style>
+          <a:lnRef idx="2">
+            <a:schemeClr val="accent1">
+              <a:shade val="50000"/>
+            </a:schemeClr>
+          </a:lnRef>
+          <a:fillRef idx="1">
+            <a:schemeClr val="accent1"/>
+          </a:fillRef>
+          <a:effectRef idx="0">
+            <a:schemeClr val="accent1"/>
+          </a:effectRef>
+          <a:fontRef idx="minor">
+            <a:schemeClr val="lt1"/>
+          </a:fontRef>
+        </p:style>
+        <p:txBody>
+          <a:bodyPr rtlCol="0" anchor="ctr"/>
+          <a:lstStyle/>
+          <a:p>
+            <a:pPr algn="ctr"/>
+            <a:endParaRPr lang="zh-CN" altLang="en-US" dirty="0"/>
+          </a:p>
+        </p:txBody>
+      </p:sp>
+      <p:sp>
+        <p:nvSpPr>
+          <p:cNvPr id="23" name="文本框 22"/>
+          <p:cNvSpPr txBox="1"/>
+          <p:nvPr/>
+        </p:nvSpPr>
+        <p:spPr>
+          <a:xfrm>
+            <a:off x="1171760" y="5207589"/>
+            <a:ext cx="1333315" cy="369332"/>
+          </a:xfrm>
+          <a:prstGeom prst="rect">
+            <a:avLst/>
+          </a:prstGeom>
+          <a:noFill/>
+          <a:ln w="9525">
+            <a:solidFill>
+              <a:schemeClr val="tx1"/>
+            </a:solidFill>
+          </a:ln>
+        </p:spPr>
+        <p:txBody>
+          <a:bodyPr wrap="square" rtlCol="0">
+            <a:spAutoFit/>
+          </a:bodyPr>
+          <a:lstStyle/>
+          <a:p>
+            <a:r>
+              <a:rPr lang="zh-CN" altLang="en-US" dirty="0"/>
+              <a:t>预览</a:t>
+            </a:r>
+            <a:r>
+              <a:rPr lang="en-US" altLang="zh-CN" dirty="0" smtClean="0"/>
+              <a:t>button</a:t>
+            </a:r>
+            <a:endParaRPr lang="zh-CN" altLang="en-US" dirty="0"/>
+          </a:p>
+        </p:txBody>
+      </p:sp>
+      <p:sp>
+        <p:nvSpPr>
+          <p:cNvPr id="24" name="文本框 23"/>
+          <p:cNvSpPr txBox="1"/>
+          <p:nvPr/>
+        </p:nvSpPr>
+        <p:spPr>
+          <a:xfrm>
+            <a:off x="2753420" y="5214528"/>
+            <a:ext cx="1770956" cy="369332"/>
+          </a:xfrm>
+          <a:prstGeom prst="rect">
+            <a:avLst/>
+          </a:prstGeom>
+          <a:noFill/>
+          <a:ln w="9525">
+            <a:solidFill>
+              <a:schemeClr val="tx1"/>
+            </a:solidFill>
+          </a:ln>
+        </p:spPr>
+        <p:txBody>
+          <a:bodyPr wrap="square" rtlCol="0">
+            <a:spAutoFit/>
+          </a:bodyPr>
+          <a:lstStyle/>
+          <a:p>
+            <a:r>
+              <a:rPr lang="zh-CN" altLang="en-US" dirty="0" smtClean="0"/>
+              <a:t>重新上传</a:t>
+            </a:r>
+            <a:r>
+              <a:rPr lang="en-US" altLang="zh-CN" dirty="0" smtClean="0"/>
+              <a:t>button</a:t>
+            </a:r>
+            <a:endParaRPr lang="zh-CN" altLang="en-US" dirty="0"/>
           </a:p>
         </p:txBody>
       </p:sp>
     </p:spTree>
     <p:extLst>
       <p:ext uri="{BB962C8B-B14F-4D97-AF65-F5344CB8AC3E}">
-        <p14:creationId xmlns:p14="http://schemas.microsoft.com/office/powerpoint/2010/main" val="1198803037"/>
+        <p14:creationId xmlns:p14="http://schemas.microsoft.com/office/powerpoint/2010/main" val="2365871832"/>
       </p:ext>
     </p:extLst>
   </p:cSld>
@@ -4420,16 +4869,628 @@
           <a:p>
             <a:r>
               <a:rPr lang="zh-CN" altLang="en-US" sz="2800" b="1" dirty="0" smtClean="0"/>
-              <a:t>镂空二维码</a:t>
+              <a:t>前端界面</a:t>
             </a:r>
             <a:endParaRPr lang="zh-CN" altLang="en-US" sz="2800" b="1" dirty="0"/>
+          </a:p>
+        </p:txBody>
+      </p:sp>
+      <p:sp>
+        <p:nvSpPr>
+          <p:cNvPr id="4" name="矩形 3"/>
+          <p:cNvSpPr/>
+          <p:nvPr/>
+        </p:nvSpPr>
+        <p:spPr>
+          <a:xfrm>
+            <a:off x="621437" y="1689279"/>
+            <a:ext cx="7901126" cy="4721046"/>
+          </a:xfrm>
+          <a:prstGeom prst="rect">
+            <a:avLst/>
+          </a:prstGeom>
+          <a:noFill/>
+        </p:spPr>
+        <p:style>
+          <a:lnRef idx="2">
+            <a:schemeClr val="accent1">
+              <a:shade val="50000"/>
+            </a:schemeClr>
+          </a:lnRef>
+          <a:fillRef idx="1">
+            <a:schemeClr val="accent1"/>
+          </a:fillRef>
+          <a:effectRef idx="0">
+            <a:schemeClr val="accent1"/>
+          </a:effectRef>
+          <a:fontRef idx="minor">
+            <a:schemeClr val="lt1"/>
+          </a:fontRef>
+        </p:style>
+        <p:txBody>
+          <a:bodyPr rtlCol="0" anchor="ctr"/>
+          <a:lstStyle/>
+          <a:p>
+            <a:pPr algn="ctr"/>
+            <a:endParaRPr lang="zh-CN" altLang="en-US"/>
+          </a:p>
+        </p:txBody>
+      </p:sp>
+      <p:sp>
+        <p:nvSpPr>
+          <p:cNvPr id="6" name="文本框 5"/>
+          <p:cNvSpPr txBox="1"/>
+          <p:nvPr/>
+        </p:nvSpPr>
+        <p:spPr>
+          <a:xfrm>
+            <a:off x="276225" y="1126577"/>
+            <a:ext cx="8486775" cy="461665"/>
+          </a:xfrm>
+          <a:prstGeom prst="rect">
+            <a:avLst/>
+          </a:prstGeom>
+          <a:noFill/>
+        </p:spPr>
+        <p:txBody>
+          <a:bodyPr wrap="square" rtlCol="0">
+            <a:spAutoFit/>
+          </a:bodyPr>
+          <a:lstStyle/>
+          <a:p>
+            <a:pPr marL="342900" indent="-342900">
+              <a:buFont typeface="Arial" panose="020B0604020202020204" pitchFamily="34" charset="0"/>
+              <a:buChar char="•"/>
+            </a:pPr>
+            <a:r>
+              <a:rPr lang="zh-CN" altLang="en-US" sz="2400" dirty="0"/>
+              <a:t>立体</a:t>
+            </a:r>
+            <a:r>
+              <a:rPr lang="zh-CN" altLang="en-US" sz="2400" dirty="0" smtClean="0"/>
+              <a:t>二维码模块</a:t>
+            </a:r>
+            <a:endParaRPr lang="en-US" altLang="zh-CN" sz="2400" dirty="0"/>
+          </a:p>
+        </p:txBody>
+      </p:sp>
+      <p:cxnSp>
+        <p:nvCxnSpPr>
+          <p:cNvPr id="7" name="直接连接符 6"/>
+          <p:cNvCxnSpPr/>
+          <p:nvPr/>
+        </p:nvCxnSpPr>
+        <p:spPr>
+          <a:xfrm>
+            <a:off x="621437" y="2422401"/>
+            <a:ext cx="7901126" cy="0"/>
+          </a:xfrm>
+          <a:prstGeom prst="line">
+            <a:avLst/>
+          </a:prstGeom>
+        </p:spPr>
+        <p:style>
+          <a:lnRef idx="1">
+            <a:schemeClr val="dk1"/>
+          </a:lnRef>
+          <a:fillRef idx="0">
+            <a:schemeClr val="dk1"/>
+          </a:fillRef>
+          <a:effectRef idx="0">
+            <a:schemeClr val="dk1"/>
+          </a:effectRef>
+          <a:fontRef idx="minor">
+            <a:schemeClr val="tx1"/>
+          </a:fontRef>
+        </p:style>
+      </p:cxnSp>
+      <p:sp>
+        <p:nvSpPr>
+          <p:cNvPr id="8" name="文本框 7"/>
+          <p:cNvSpPr txBox="1"/>
+          <p:nvPr/>
+        </p:nvSpPr>
+        <p:spPr>
+          <a:xfrm>
+            <a:off x="965446" y="1878930"/>
+            <a:ext cx="1091954" cy="369332"/>
+          </a:xfrm>
+          <a:prstGeom prst="rect">
+            <a:avLst/>
+          </a:prstGeom>
+          <a:noFill/>
+        </p:spPr>
+        <p:txBody>
+          <a:bodyPr wrap="square" rtlCol="0">
+            <a:spAutoFit/>
+          </a:bodyPr>
+          <a:lstStyle/>
+          <a:p>
+            <a:r>
+              <a:rPr lang="zh-CN" altLang="en-US" dirty="0" smtClean="0"/>
+              <a:t>图片</a:t>
+            </a:r>
+            <a:r>
+              <a:rPr lang="en-US" altLang="zh-CN" dirty="0" smtClean="0"/>
+              <a:t>logo</a:t>
+            </a:r>
+            <a:endParaRPr lang="zh-CN" altLang="en-US" dirty="0"/>
+          </a:p>
+        </p:txBody>
+      </p:sp>
+      <p:sp>
+        <p:nvSpPr>
+          <p:cNvPr id="9" name="矩形 8"/>
+          <p:cNvSpPr/>
+          <p:nvPr/>
+        </p:nvSpPr>
+        <p:spPr>
+          <a:xfrm>
+            <a:off x="3045042" y="1906493"/>
+            <a:ext cx="5255580" cy="374627"/>
+          </a:xfrm>
+          <a:prstGeom prst="rect">
+            <a:avLst/>
+          </a:prstGeom>
+          <a:noFill/>
+        </p:spPr>
+        <p:style>
+          <a:lnRef idx="2">
+            <a:schemeClr val="accent1">
+              <a:shade val="50000"/>
+            </a:schemeClr>
+          </a:lnRef>
+          <a:fillRef idx="1">
+            <a:schemeClr val="accent1"/>
+          </a:fillRef>
+          <a:effectRef idx="0">
+            <a:schemeClr val="accent1"/>
+          </a:effectRef>
+          <a:fontRef idx="minor">
+            <a:schemeClr val="lt1"/>
+          </a:fontRef>
+        </p:style>
+        <p:txBody>
+          <a:bodyPr rtlCol="0" anchor="ctr"/>
+          <a:lstStyle/>
+          <a:p>
+            <a:pPr algn="ctr"/>
+            <a:endParaRPr lang="zh-CN" altLang="en-US" dirty="0"/>
+          </a:p>
+        </p:txBody>
+      </p:sp>
+      <p:sp>
+        <p:nvSpPr>
+          <p:cNvPr id="11" name="文本框 10"/>
+          <p:cNvSpPr txBox="1"/>
+          <p:nvPr/>
+        </p:nvSpPr>
+        <p:spPr>
+          <a:xfrm>
+            <a:off x="3698427" y="1921377"/>
+            <a:ext cx="4771007" cy="369332"/>
+          </a:xfrm>
+          <a:prstGeom prst="rect">
+            <a:avLst/>
+          </a:prstGeom>
+          <a:noFill/>
+        </p:spPr>
+        <p:txBody>
+          <a:bodyPr wrap="square" rtlCol="0">
+            <a:spAutoFit/>
+          </a:bodyPr>
+          <a:lstStyle/>
+          <a:p>
+            <a:r>
+              <a:rPr lang="zh-CN" altLang="en-US" dirty="0" smtClean="0"/>
+              <a:t>导航：</a:t>
+            </a:r>
+            <a:r>
+              <a:rPr lang="en-US" altLang="zh-CN" dirty="0" smtClean="0"/>
+              <a:t>Home</a:t>
+            </a:r>
+            <a:r>
+              <a:rPr lang="zh-CN" altLang="en-US" dirty="0" smtClean="0"/>
+              <a:t>、</a:t>
+            </a:r>
+            <a:r>
+              <a:rPr lang="en-US" altLang="zh-CN" dirty="0" smtClean="0"/>
+              <a:t>About</a:t>
+            </a:r>
+            <a:r>
+              <a:rPr lang="zh-CN" altLang="en-US" dirty="0" smtClean="0"/>
+              <a:t>、自由发挥吧</a:t>
+            </a:r>
+            <a:r>
+              <a:rPr lang="en-US" altLang="zh-CN" dirty="0" smtClean="0"/>
+              <a:t>……</a:t>
+            </a:r>
+            <a:endParaRPr lang="zh-CN" altLang="en-US" dirty="0"/>
+          </a:p>
+        </p:txBody>
+      </p:sp>
+      <p:cxnSp>
+        <p:nvCxnSpPr>
+          <p:cNvPr id="16" name="直接连接符 15"/>
+          <p:cNvCxnSpPr/>
+          <p:nvPr/>
+        </p:nvCxnSpPr>
+        <p:spPr>
+          <a:xfrm>
+            <a:off x="621437" y="5812284"/>
+            <a:ext cx="7901126" cy="0"/>
+          </a:xfrm>
+          <a:prstGeom prst="line">
+            <a:avLst/>
+          </a:prstGeom>
+        </p:spPr>
+        <p:style>
+          <a:lnRef idx="1">
+            <a:schemeClr val="dk1"/>
+          </a:lnRef>
+          <a:fillRef idx="0">
+            <a:schemeClr val="dk1"/>
+          </a:fillRef>
+          <a:effectRef idx="0">
+            <a:schemeClr val="dk1"/>
+          </a:effectRef>
+          <a:fontRef idx="minor">
+            <a:schemeClr val="tx1"/>
+          </a:fontRef>
+        </p:style>
+      </p:cxnSp>
+      <p:sp>
+        <p:nvSpPr>
+          <p:cNvPr id="13" name="文本框 12"/>
+          <p:cNvSpPr txBox="1"/>
+          <p:nvPr/>
+        </p:nvSpPr>
+        <p:spPr>
+          <a:xfrm>
+            <a:off x="3698427" y="5933923"/>
+            <a:ext cx="1642369" cy="369332"/>
+          </a:xfrm>
+          <a:prstGeom prst="rect">
+            <a:avLst/>
+          </a:prstGeom>
+          <a:noFill/>
+        </p:spPr>
+        <p:txBody>
+          <a:bodyPr wrap="square" rtlCol="0">
+            <a:spAutoFit/>
+          </a:bodyPr>
+          <a:lstStyle/>
+          <a:p>
+            <a:r>
+              <a:rPr lang="zh-CN" altLang="en-US" dirty="0" smtClean="0"/>
+              <a:t>页脚，你懂的</a:t>
+            </a:r>
+            <a:endParaRPr lang="zh-CN" altLang="en-US" dirty="0"/>
+          </a:p>
+        </p:txBody>
+      </p:sp>
+      <p:sp>
+        <p:nvSpPr>
+          <p:cNvPr id="19" name="文本框 18"/>
+          <p:cNvSpPr txBox="1"/>
+          <p:nvPr/>
+        </p:nvSpPr>
+        <p:spPr>
+          <a:xfrm>
+            <a:off x="998882" y="4767316"/>
+            <a:ext cx="7041458" cy="923330"/>
+          </a:xfrm>
+          <a:prstGeom prst="rect">
+            <a:avLst/>
+          </a:prstGeom>
+          <a:noFill/>
+          <a:ln w="9525">
+            <a:solidFill>
+              <a:schemeClr val="tx1"/>
+            </a:solidFill>
+          </a:ln>
+        </p:spPr>
+        <p:txBody>
+          <a:bodyPr wrap="square" rtlCol="0">
+            <a:spAutoFit/>
+          </a:bodyPr>
+          <a:lstStyle/>
+          <a:p>
+            <a:pPr algn="ctr"/>
+            <a:r>
+              <a:rPr lang="zh-CN" altLang="en-US" dirty="0"/>
+              <a:t>一</a:t>
+            </a:r>
+            <a:r>
+              <a:rPr lang="zh-CN" altLang="en-US" dirty="0" smtClean="0"/>
+              <a:t>排缩略图的图片按钮</a:t>
+            </a:r>
+            <a:endParaRPr lang="en-US" altLang="zh-CN" dirty="0" smtClean="0"/>
+          </a:p>
+          <a:p>
+            <a:pPr algn="ctr"/>
+            <a:r>
+              <a:rPr lang="zh-CN" altLang="en-US" dirty="0" smtClean="0"/>
+              <a:t>可以左右滑动的那种</a:t>
+            </a:r>
+            <a:endParaRPr lang="en-US" altLang="zh-CN" dirty="0" smtClean="0"/>
+          </a:p>
+          <a:p>
+            <a:pPr algn="ctr"/>
+            <a:r>
+              <a:rPr lang="zh-CN" altLang="en-US" dirty="0" smtClean="0"/>
+              <a:t>留点击后</a:t>
+            </a:r>
+            <a:r>
+              <a:rPr lang="en-US" altLang="zh-CN" dirty="0" smtClean="0"/>
+              <a:t>load</a:t>
+            </a:r>
+            <a:r>
+              <a:rPr lang="zh-CN" altLang="en-US" dirty="0" smtClean="0"/>
+              <a:t>的接口</a:t>
+            </a:r>
+            <a:endParaRPr lang="zh-CN" altLang="en-US" dirty="0"/>
+          </a:p>
+        </p:txBody>
+      </p:sp>
+      <p:sp>
+        <p:nvSpPr>
+          <p:cNvPr id="21" name="文本框 20"/>
+          <p:cNvSpPr txBox="1"/>
+          <p:nvPr/>
+        </p:nvSpPr>
+        <p:spPr>
+          <a:xfrm>
+            <a:off x="3074857" y="3590800"/>
+            <a:ext cx="2818279" cy="923330"/>
+          </a:xfrm>
+          <a:prstGeom prst="rect">
+            <a:avLst/>
+          </a:prstGeom>
+          <a:noFill/>
+          <a:ln w="9525">
+            <a:noFill/>
+          </a:ln>
+        </p:spPr>
+        <p:txBody>
+          <a:bodyPr wrap="square" rtlCol="0">
+            <a:spAutoFit/>
+          </a:bodyPr>
+          <a:lstStyle/>
+          <a:p>
+            <a:pPr algn="ctr"/>
+            <a:endParaRPr lang="en-US" altLang="zh-CN" dirty="0" smtClean="0"/>
+          </a:p>
+          <a:p>
+            <a:pPr algn="ctr"/>
+            <a:r>
+              <a:rPr lang="zh-CN" altLang="en-US" dirty="0" smtClean="0"/>
+              <a:t>用户所选</a:t>
+            </a:r>
+            <a:r>
+              <a:rPr lang="zh-CN" altLang="en-US" dirty="0"/>
+              <a:t>模</a:t>
+            </a:r>
+            <a:r>
+              <a:rPr lang="zh-CN" altLang="en-US" dirty="0" smtClean="0"/>
+              <a:t>型的预览场景</a:t>
+            </a:r>
+            <a:r>
+              <a:rPr lang="en-US" altLang="zh-CN" dirty="0" smtClean="0"/>
+              <a:t>/</a:t>
+            </a:r>
+            <a:endParaRPr lang="en-US" altLang="zh-CN" dirty="0"/>
+          </a:p>
+          <a:p>
+            <a:pPr algn="ctr"/>
+            <a:r>
+              <a:rPr lang="zh-CN" altLang="en-US" dirty="0" smtClean="0"/>
+              <a:t>立体二维码的预览场景 </a:t>
+            </a:r>
+            <a:endParaRPr lang="zh-CN" altLang="en-US" dirty="0"/>
+          </a:p>
+        </p:txBody>
+      </p:sp>
+      <p:sp>
+        <p:nvSpPr>
+          <p:cNvPr id="22" name="矩形 21"/>
+          <p:cNvSpPr/>
+          <p:nvPr/>
+        </p:nvSpPr>
+        <p:spPr>
+          <a:xfrm>
+            <a:off x="1038225" y="3524250"/>
+            <a:ext cx="6891545" cy="1152525"/>
+          </a:xfrm>
+          <a:prstGeom prst="rect">
+            <a:avLst/>
+          </a:prstGeom>
+          <a:noFill/>
+        </p:spPr>
+        <p:style>
+          <a:lnRef idx="2">
+            <a:schemeClr val="accent1">
+              <a:shade val="50000"/>
+            </a:schemeClr>
+          </a:lnRef>
+          <a:fillRef idx="1">
+            <a:schemeClr val="accent1"/>
+          </a:fillRef>
+          <a:effectRef idx="0">
+            <a:schemeClr val="accent1"/>
+          </a:effectRef>
+          <a:fontRef idx="minor">
+            <a:schemeClr val="lt1"/>
+          </a:fontRef>
+        </p:style>
+        <p:txBody>
+          <a:bodyPr rtlCol="0" anchor="ctr"/>
+          <a:lstStyle/>
+          <a:p>
+            <a:pPr algn="ctr"/>
+            <a:endParaRPr lang="zh-CN" altLang="en-US" dirty="0"/>
+          </a:p>
+        </p:txBody>
+      </p:sp>
+      <p:sp>
+        <p:nvSpPr>
+          <p:cNvPr id="17" name="文本框 16"/>
+          <p:cNvSpPr txBox="1"/>
+          <p:nvPr/>
+        </p:nvSpPr>
+        <p:spPr>
+          <a:xfrm>
+            <a:off x="6696074" y="4216901"/>
+            <a:ext cx="1109335" cy="369332"/>
+          </a:xfrm>
+          <a:prstGeom prst="rect">
+            <a:avLst/>
+          </a:prstGeom>
+          <a:noFill/>
+          <a:ln w="6350">
+            <a:solidFill>
+              <a:schemeClr val="tx1"/>
+            </a:solidFill>
+          </a:ln>
+        </p:spPr>
+        <p:txBody>
+          <a:bodyPr wrap="square" rtlCol="0">
+            <a:spAutoFit/>
+          </a:bodyPr>
+          <a:lstStyle/>
+          <a:p>
+            <a:pPr algn="ctr"/>
+            <a:r>
+              <a:rPr lang="zh-CN" altLang="en-US" dirty="0" smtClean="0"/>
+              <a:t>生成按钮</a:t>
+            </a:r>
+            <a:endParaRPr lang="zh-CN" altLang="en-US" dirty="0"/>
+          </a:p>
+        </p:txBody>
+      </p:sp>
+      <p:sp>
+        <p:nvSpPr>
+          <p:cNvPr id="23" name="文本框 22"/>
+          <p:cNvSpPr txBox="1"/>
+          <p:nvPr/>
+        </p:nvSpPr>
+        <p:spPr>
+          <a:xfrm>
+            <a:off x="6242424" y="4788455"/>
+            <a:ext cx="1680834" cy="923330"/>
+          </a:xfrm>
+          <a:prstGeom prst="rect">
+            <a:avLst/>
+          </a:prstGeom>
+          <a:noFill/>
+          <a:ln w="9525">
+            <a:solidFill>
+              <a:schemeClr val="tx1"/>
+            </a:solidFill>
+          </a:ln>
+        </p:spPr>
+        <p:txBody>
+          <a:bodyPr wrap="square" rtlCol="0">
+            <a:spAutoFit/>
+          </a:bodyPr>
+          <a:lstStyle/>
+          <a:p>
+            <a:pPr algn="ctr"/>
+            <a:r>
+              <a:rPr lang="zh-CN" altLang="en-US" dirty="0" smtClean="0"/>
+              <a:t>点击某个缩略图允许用户自己上传模型</a:t>
+            </a:r>
+            <a:endParaRPr lang="en-US" altLang="zh-CN" dirty="0" smtClean="0"/>
+          </a:p>
+        </p:txBody>
+      </p:sp>
+      <p:sp>
+        <p:nvSpPr>
+          <p:cNvPr id="24" name="矩形 23"/>
+          <p:cNvSpPr/>
+          <p:nvPr/>
+        </p:nvSpPr>
+        <p:spPr>
+          <a:xfrm>
+            <a:off x="1035828" y="2523810"/>
+            <a:ext cx="6893942" cy="1004337"/>
+          </a:xfrm>
+          <a:prstGeom prst="rect">
+            <a:avLst/>
+          </a:prstGeom>
+          <a:noFill/>
+        </p:spPr>
+        <p:style>
+          <a:lnRef idx="2">
+            <a:schemeClr val="accent1">
+              <a:shade val="50000"/>
+            </a:schemeClr>
+          </a:lnRef>
+          <a:fillRef idx="1">
+            <a:schemeClr val="accent1"/>
+          </a:fillRef>
+          <a:effectRef idx="0">
+            <a:schemeClr val="accent1"/>
+          </a:effectRef>
+          <a:fontRef idx="minor">
+            <a:schemeClr val="lt1"/>
+          </a:fontRef>
+        </p:style>
+        <p:txBody>
+          <a:bodyPr rtlCol="0" anchor="ctr"/>
+          <a:lstStyle/>
+          <a:p>
+            <a:pPr algn="ctr"/>
+            <a:endParaRPr lang="zh-CN" altLang="en-US" dirty="0"/>
+          </a:p>
+        </p:txBody>
+      </p:sp>
+      <p:sp>
+        <p:nvSpPr>
+          <p:cNvPr id="25" name="文本框 24"/>
+          <p:cNvSpPr txBox="1"/>
+          <p:nvPr/>
+        </p:nvSpPr>
+        <p:spPr>
+          <a:xfrm>
+            <a:off x="2975111" y="2730766"/>
+            <a:ext cx="3275120" cy="646331"/>
+          </a:xfrm>
+          <a:prstGeom prst="rect">
+            <a:avLst/>
+          </a:prstGeom>
+          <a:noFill/>
+        </p:spPr>
+        <p:txBody>
+          <a:bodyPr wrap="square" rtlCol="0">
+            <a:spAutoFit/>
+          </a:bodyPr>
+          <a:lstStyle/>
+          <a:p>
+            <a:pPr algn="ctr"/>
+            <a:r>
+              <a:rPr lang="zh-CN" altLang="en-US" dirty="0" smtClean="0"/>
+              <a:t>用户上传</a:t>
+            </a:r>
+            <a:r>
+              <a:rPr lang="en-US" altLang="zh-CN" dirty="0" smtClean="0"/>
+              <a:t>QR Image</a:t>
+            </a:r>
+          </a:p>
+          <a:p>
+            <a:pPr algn="ctr"/>
+            <a:r>
+              <a:rPr lang="zh-CN" altLang="en-US" dirty="0" smtClean="0"/>
+              <a:t>同上一页</a:t>
+            </a:r>
+            <a:endParaRPr lang="en-US" altLang="zh-CN" dirty="0" smtClean="0"/>
           </a:p>
         </p:txBody>
       </p:sp>
     </p:spTree>
     <p:extLst>
       <p:ext uri="{BB962C8B-B14F-4D97-AF65-F5344CB8AC3E}">
-        <p14:creationId xmlns:p14="http://schemas.microsoft.com/office/powerpoint/2010/main" val="1965440095"/>
+        <p14:creationId xmlns:p14="http://schemas.microsoft.com/office/powerpoint/2010/main" val="2592647360"/>
       </p:ext>
     </p:extLst>
   </p:cSld>
@@ -4533,7 +5594,7 @@
         <p:spPr>
           <a:xfrm>
             <a:off x="276225" y="276880"/>
-            <a:ext cx="5334462" cy="523220"/>
+            <a:ext cx="3562350" cy="523220"/>
           </a:xfrm>
           <a:prstGeom prst="rect">
             <a:avLst/>
@@ -4548,13 +5609,1010 @@
           <a:p>
             <a:r>
               <a:rPr lang="zh-CN" altLang="en-US" sz="2800" b="1" dirty="0" smtClean="0"/>
-              <a:t>基于环境光遮蔽的</a:t>
-            </a:r>
+              <a:t>前端界面</a:t>
+            </a:r>
+            <a:endParaRPr lang="zh-CN" altLang="en-US" sz="2800" b="1" dirty="0"/>
+          </a:p>
+        </p:txBody>
+      </p:sp>
+      <p:sp>
+        <p:nvSpPr>
+          <p:cNvPr id="6" name="文本框 5"/>
+          <p:cNvSpPr txBox="1"/>
+          <p:nvPr/>
+        </p:nvSpPr>
+        <p:spPr>
+          <a:xfrm>
+            <a:off x="276225" y="1126577"/>
+            <a:ext cx="8486775" cy="4154984"/>
+          </a:xfrm>
+          <a:prstGeom prst="rect">
+            <a:avLst/>
+          </a:prstGeom>
+          <a:noFill/>
+        </p:spPr>
+        <p:txBody>
+          <a:bodyPr wrap="square" rtlCol="0">
+            <a:spAutoFit/>
+          </a:bodyPr>
+          <a:lstStyle/>
+          <a:p>
+            <a:pPr marL="342900" indent="-342900">
+              <a:buFont typeface="Arial" panose="020B0604020202020204" pitchFamily="34" charset="0"/>
+              <a:buChar char="•"/>
+            </a:pPr>
+            <a:r>
+              <a:rPr lang="zh-CN" altLang="en-US" sz="2400" dirty="0" smtClean="0"/>
+              <a:t>注意：立体二维码图像层面进行处理时会用到它的</a:t>
+            </a:r>
+            <a:r>
+              <a:rPr lang="en-US" altLang="zh-CN" sz="2400" dirty="0" smtClean="0"/>
+              <a:t>RS</a:t>
+            </a:r>
+            <a:r>
+              <a:rPr lang="zh-CN" altLang="en-US" sz="2400" dirty="0" smtClean="0"/>
+              <a:t>块、码字、容错率等信息，如果不写解码机制的话，可以选择让用户输入文本，后台生成</a:t>
+            </a:r>
+            <a:r>
+              <a:rPr lang="en-US" altLang="zh-CN" sz="2400" dirty="0" smtClean="0"/>
+              <a:t>QR Image</a:t>
+            </a:r>
+            <a:r>
+              <a:rPr lang="zh-CN" altLang="en-US" sz="2400" dirty="0" smtClean="0"/>
+              <a:t>并保存相关信息</a:t>
+            </a:r>
+            <a:endParaRPr lang="en-US" altLang="zh-CN" sz="2400" dirty="0" smtClean="0"/>
+          </a:p>
+          <a:p>
+            <a:pPr marL="342900" indent="-342900">
+              <a:buFont typeface="Arial" panose="020B0604020202020204" pitchFamily="34" charset="0"/>
+              <a:buChar char="•"/>
+            </a:pPr>
+            <a:r>
+              <a:rPr lang="zh-CN" altLang="en-US" sz="2400" dirty="0" smtClean="0"/>
+              <a:t>其他界面可以有</a:t>
+            </a:r>
+            <a:endParaRPr lang="en-US" altLang="zh-CN" sz="2400" dirty="0" smtClean="0"/>
+          </a:p>
+          <a:p>
+            <a:pPr marL="800100" lvl="1" indent="-342900">
+              <a:buFont typeface="Arial" panose="020B0604020202020204" pitchFamily="34" charset="0"/>
+              <a:buChar char="•"/>
+            </a:pPr>
+            <a:r>
+              <a:rPr lang="zh-CN" altLang="en-US" sz="2400" dirty="0" smtClean="0"/>
+              <a:t>不同用户登陆</a:t>
+            </a:r>
+            <a:endParaRPr lang="en-US" altLang="zh-CN" sz="2400" dirty="0" smtClean="0"/>
+          </a:p>
+          <a:p>
+            <a:pPr marL="800100" lvl="1" indent="-342900">
+              <a:buFont typeface="Arial" panose="020B0604020202020204" pitchFamily="34" charset="0"/>
+              <a:buChar char="•"/>
+            </a:pPr>
+            <a:r>
+              <a:rPr lang="zh-CN" altLang="en-US" sz="2400" dirty="0" smtClean="0"/>
+              <a:t>团队成员介绍</a:t>
+            </a:r>
+            <a:endParaRPr lang="en-US" altLang="zh-CN" sz="2400" dirty="0" smtClean="0"/>
+          </a:p>
+          <a:p>
+            <a:pPr marL="800100" lvl="1" indent="-342900">
+              <a:buFont typeface="Arial" panose="020B0604020202020204" pitchFamily="34" charset="0"/>
+              <a:buChar char="•"/>
+            </a:pPr>
+            <a:r>
+              <a:rPr lang="zh-CN" altLang="en-US" sz="2400" dirty="0" smtClean="0"/>
+              <a:t>用户手册</a:t>
+            </a:r>
+            <a:endParaRPr lang="en-US" altLang="zh-CN" sz="2400" dirty="0" smtClean="0"/>
+          </a:p>
+          <a:p>
+            <a:pPr marL="800100" lvl="1" indent="-342900">
+              <a:buFont typeface="Arial" panose="020B0604020202020204" pitchFamily="34" charset="0"/>
+              <a:buChar char="•"/>
+            </a:pPr>
+            <a:r>
+              <a:rPr lang="zh-CN" altLang="en-US" sz="2400" dirty="0" smtClean="0"/>
+              <a:t>产品展示：放一些结果图</a:t>
+            </a:r>
+            <a:endParaRPr lang="en-US" altLang="zh-CN" sz="2400" dirty="0" smtClean="0"/>
+          </a:p>
+          <a:p>
+            <a:pPr marL="800100" lvl="1" indent="-342900">
+              <a:buFont typeface="Arial" panose="020B0604020202020204" pitchFamily="34" charset="0"/>
+              <a:buChar char="•"/>
+            </a:pPr>
+            <a:r>
+              <a:rPr lang="zh-CN" altLang="en-US" sz="2400" dirty="0" smtClean="0"/>
+              <a:t>联系我们：地址信息，用户评论等</a:t>
+            </a:r>
+            <a:endParaRPr lang="en-US" altLang="zh-CN" sz="2400" dirty="0" smtClean="0"/>
+          </a:p>
+          <a:p>
+            <a:pPr marL="800100" lvl="1" indent="-342900">
+              <a:buFont typeface="Arial" panose="020B0604020202020204" pitchFamily="34" charset="0"/>
+              <a:buChar char="•"/>
+            </a:pPr>
+            <a:r>
+              <a:rPr lang="zh-CN" altLang="en-US" sz="2400" dirty="0"/>
+              <a:t>自由发挥，与主页风格一致即可</a:t>
+            </a:r>
+            <a:endParaRPr lang="en-US" altLang="zh-CN" sz="2400" dirty="0" smtClean="0"/>
+          </a:p>
+          <a:p>
+            <a:pPr marL="342900" indent="-342900">
+              <a:buFont typeface="Arial" panose="020B0604020202020204" pitchFamily="34" charset="0"/>
+              <a:buChar char="•"/>
+            </a:pPr>
+            <a:endParaRPr lang="en-US" altLang="zh-CN" sz="2400" dirty="0"/>
+          </a:p>
+        </p:txBody>
+      </p:sp>
+    </p:spTree>
+    <p:extLst>
+      <p:ext uri="{BB962C8B-B14F-4D97-AF65-F5344CB8AC3E}">
+        <p14:creationId xmlns:p14="http://schemas.microsoft.com/office/powerpoint/2010/main" val="3018539146"/>
+      </p:ext>
+    </p:extLst>
+  </p:cSld>
+  <p:clrMapOvr>
+    <a:masterClrMapping/>
+  </p:clrMapOvr>
+  <p:timing>
+    <p:tnLst>
+      <p:par>
+        <p:cTn id="1" dur="indefinite" restart="never" nodeType="tmRoot"/>
+      </p:par>
+    </p:tnLst>
+  </p:timing>
+</p:sld>
+</file>
+
+<file path=ppt/slides/slide7.xml><?xml version="1.0" encoding="utf-8"?>
+<p:sld xmlns:a="http://schemas.openxmlformats.org/drawingml/2006/main" xmlns:r="http://schemas.openxmlformats.org/officeDocument/2006/relationships" xmlns:p="http://schemas.openxmlformats.org/presentationml/2006/main">
+  <p:cSld>
+    <p:spTree>
+      <p:nvGrpSpPr>
+        <p:cNvPr id="1" name=""/>
+        <p:cNvGrpSpPr/>
+        <p:nvPr/>
+      </p:nvGrpSpPr>
+      <p:grpSpPr>
+        <a:xfrm>
+          <a:off x="0" y="0"/>
+          <a:ext cx="0" cy="0"/>
+          <a:chOff x="0" y="0"/>
+          <a:chExt cx="0" cy="0"/>
+        </a:xfrm>
+      </p:grpSpPr>
+      <p:sp>
+        <p:nvSpPr>
+          <p:cNvPr id="2" name="圆角矩形 1"/>
+          <p:cNvSpPr/>
+          <p:nvPr/>
+        </p:nvSpPr>
+        <p:spPr>
+          <a:xfrm>
+            <a:off x="276225" y="809625"/>
+            <a:ext cx="8591550" cy="66675"/>
+          </a:xfrm>
+          <a:prstGeom prst="roundRect">
+            <a:avLst/>
+          </a:prstGeom>
+          <a:solidFill>
+            <a:schemeClr val="accent2"/>
+          </a:solidFill>
+          <a:ln>
+            <a:noFill/>
+          </a:ln>
+          <a:effectLst>
+            <a:outerShdw blurRad="50800" dist="38100" algn="l" rotWithShape="0">
+              <a:prstClr val="black">
+                <a:alpha val="40000"/>
+              </a:prstClr>
+            </a:outerShdw>
+          </a:effectLst>
+        </p:spPr>
+        <p:style>
+          <a:lnRef idx="2">
+            <a:schemeClr val="accent2">
+              <a:shade val="50000"/>
+            </a:schemeClr>
+          </a:lnRef>
+          <a:fillRef idx="1">
+            <a:schemeClr val="accent2"/>
+          </a:fillRef>
+          <a:effectRef idx="0">
+            <a:schemeClr val="accent2"/>
+          </a:effectRef>
+          <a:fontRef idx="minor">
+            <a:schemeClr val="lt1"/>
+          </a:fontRef>
+        </p:style>
+        <p:txBody>
+          <a:bodyPr rtlCol="0" anchor="ctr"/>
+          <a:lstStyle/>
+          <a:p>
+            <a:pPr algn="ctr"/>
+            <a:endParaRPr lang="zh-CN" altLang="en-US">
+              <a:effectLst>
+                <a:outerShdw blurRad="50800" dist="38100" dir="2700000" algn="tl" rotWithShape="0">
+                  <a:prstClr val="black">
+                    <a:alpha val="40000"/>
+                  </a:prstClr>
+                </a:outerShdw>
+              </a:effectLst>
+            </a:endParaRPr>
+          </a:p>
+        </p:txBody>
+      </p:sp>
+      <p:sp>
+        <p:nvSpPr>
+          <p:cNvPr id="3" name="文本框 2"/>
+          <p:cNvSpPr txBox="1"/>
+          <p:nvPr/>
+        </p:nvSpPr>
+        <p:spPr>
+          <a:xfrm>
+            <a:off x="276225" y="276880"/>
+            <a:ext cx="3562350" cy="523220"/>
+          </a:xfrm>
+          <a:prstGeom prst="rect">
+            <a:avLst/>
+          </a:prstGeom>
+          <a:noFill/>
+        </p:spPr>
+        <p:txBody>
+          <a:bodyPr wrap="square" rtlCol="0">
+            <a:spAutoFit/>
+          </a:bodyPr>
+          <a:lstStyle/>
+          <a:p>
             <a:r>
               <a:rPr lang="zh-CN" altLang="en-US" sz="2800" b="1" dirty="0" smtClean="0"/>
-              <a:t>立体二维码</a:t>
+              <a:t>场景搭建</a:t>
             </a:r>
             <a:endParaRPr lang="zh-CN" altLang="en-US" sz="2800" b="1" dirty="0"/>
+          </a:p>
+        </p:txBody>
+      </p:sp>
+      <p:sp>
+        <p:nvSpPr>
+          <p:cNvPr id="15" name="文本框 14"/>
+          <p:cNvSpPr txBox="1"/>
+          <p:nvPr/>
+        </p:nvSpPr>
+        <p:spPr>
+          <a:xfrm>
+            <a:off x="276225" y="1126577"/>
+            <a:ext cx="8486775" cy="3046988"/>
+          </a:xfrm>
+          <a:prstGeom prst="rect">
+            <a:avLst/>
+          </a:prstGeom>
+          <a:noFill/>
+        </p:spPr>
+        <p:txBody>
+          <a:bodyPr wrap="square" rtlCol="0">
+            <a:spAutoFit/>
+          </a:bodyPr>
+          <a:lstStyle/>
+          <a:p>
+            <a:pPr marL="342900" indent="-342900">
+              <a:buFont typeface="Arial" panose="020B0604020202020204" pitchFamily="34" charset="0"/>
+              <a:buChar char="•"/>
+            </a:pPr>
+            <a:r>
+              <a:rPr lang="zh-CN" altLang="en-US" sz="2400" dirty="0" smtClean="0"/>
+              <a:t>技术：采用</a:t>
+            </a:r>
+            <a:r>
+              <a:rPr lang="en-US" altLang="zh-CN" sz="2400" dirty="0" err="1" smtClean="0"/>
+              <a:t>WebGL</a:t>
+            </a:r>
+            <a:r>
+              <a:rPr lang="zh-CN" altLang="en-US" sz="2400" dirty="0" smtClean="0"/>
+              <a:t>封装好的</a:t>
+            </a:r>
+            <a:r>
+              <a:rPr lang="en-US" altLang="zh-CN" sz="2400" dirty="0" smtClean="0"/>
+              <a:t>Three.js</a:t>
+            </a:r>
+            <a:r>
+              <a:rPr lang="zh-CN" altLang="en-US" sz="2400" dirty="0" smtClean="0"/>
+              <a:t>库</a:t>
+            </a:r>
+            <a:endParaRPr lang="en-US" altLang="zh-CN" sz="2400" dirty="0" smtClean="0"/>
+          </a:p>
+          <a:p>
+            <a:pPr marL="342900" indent="-342900">
+              <a:buFont typeface="Arial" panose="020B0604020202020204" pitchFamily="34" charset="0"/>
+              <a:buChar char="•"/>
+            </a:pPr>
+            <a:r>
+              <a:rPr lang="zh-CN" altLang="en-US" sz="2400" dirty="0" smtClean="0"/>
+              <a:t>实现：</a:t>
+            </a:r>
+            <a:endParaRPr lang="en-US" altLang="zh-CN" sz="2400" dirty="0" smtClean="0"/>
+          </a:p>
+          <a:p>
+            <a:pPr marL="800100" lvl="1" indent="-342900">
+              <a:buFont typeface="Arial" panose="020B0604020202020204" pitchFamily="34" charset="0"/>
+              <a:buChar char="•"/>
+            </a:pPr>
+            <a:r>
+              <a:rPr lang="zh-CN" altLang="en-US" sz="2400" dirty="0" smtClean="0"/>
+              <a:t>前端预留画布部分场景搭建，包括：相机、灯光、材质、渲染器等</a:t>
+            </a:r>
+            <a:endParaRPr lang="en-US" altLang="zh-CN" sz="2400" dirty="0" smtClean="0"/>
+          </a:p>
+          <a:p>
+            <a:pPr marL="800100" lvl="1" indent="-342900">
+              <a:buFont typeface="Arial" panose="020B0604020202020204" pitchFamily="34" charset="0"/>
+              <a:buChar char="•"/>
+            </a:pPr>
+            <a:r>
+              <a:rPr lang="en-US" altLang="zh-CN" sz="2400" dirty="0"/>
+              <a:t>Load</a:t>
+            </a:r>
+            <a:r>
+              <a:rPr lang="zh-CN" altLang="en-US" sz="2400" dirty="0" smtClean="0"/>
+              <a:t>本地</a:t>
+            </a:r>
+            <a:r>
+              <a:rPr lang="en-US" altLang="zh-CN" sz="2400" dirty="0" smtClean="0"/>
+              <a:t>QR Image</a:t>
+            </a:r>
+            <a:r>
+              <a:rPr lang="zh-CN" altLang="en-US" sz="2400" dirty="0"/>
+              <a:t>和</a:t>
+            </a:r>
+            <a:r>
+              <a:rPr lang="zh-CN" altLang="en-US" sz="2400" dirty="0" smtClean="0"/>
+              <a:t>模型</a:t>
+            </a:r>
+            <a:r>
+              <a:rPr lang="zh-CN" altLang="en-US" sz="2400" dirty="0"/>
+              <a:t>，</a:t>
+            </a:r>
+            <a:r>
+              <a:rPr lang="en-US" altLang="zh-CN" sz="2400" dirty="0"/>
+              <a:t>save</a:t>
+            </a:r>
+            <a:r>
+              <a:rPr lang="zh-CN" altLang="en-US" sz="2400" dirty="0"/>
+              <a:t>到本地，这两个操作与后台</a:t>
+            </a:r>
+            <a:r>
+              <a:rPr lang="zh-CN" altLang="en-US" sz="2400" dirty="0" smtClean="0"/>
+              <a:t>对接</a:t>
+            </a:r>
+            <a:endParaRPr lang="en-US" altLang="zh-CN" sz="2400" dirty="0" smtClean="0"/>
+          </a:p>
+          <a:p>
+            <a:pPr marL="800100" lvl="1" indent="-342900">
+              <a:buFont typeface="Arial" panose="020B0604020202020204" pitchFamily="34" charset="0"/>
+              <a:buChar char="•"/>
+            </a:pPr>
+            <a:r>
+              <a:rPr lang="zh-CN" altLang="en-US" sz="2400" dirty="0"/>
+              <a:t>添加键盘、鼠标响应事件实现</a:t>
+            </a:r>
+            <a:r>
+              <a:rPr lang="en-US" altLang="zh-CN" sz="2400" dirty="0"/>
+              <a:t>load</a:t>
+            </a:r>
+            <a:r>
+              <a:rPr lang="zh-CN" altLang="en-US" sz="2400" dirty="0"/>
+              <a:t>进场景的三维模型的基本操作，包括平移，旋转，缩放</a:t>
+            </a:r>
+            <a:r>
+              <a:rPr lang="zh-CN" altLang="en-US" sz="2400" dirty="0" smtClean="0"/>
+              <a:t>等</a:t>
+            </a:r>
+            <a:endParaRPr lang="en-US" altLang="zh-CN" sz="2400" dirty="0" smtClean="0"/>
+          </a:p>
+        </p:txBody>
+      </p:sp>
+    </p:spTree>
+    <p:extLst>
+      <p:ext uri="{BB962C8B-B14F-4D97-AF65-F5344CB8AC3E}">
+        <p14:creationId xmlns:p14="http://schemas.microsoft.com/office/powerpoint/2010/main" val="1198803037"/>
+      </p:ext>
+    </p:extLst>
+  </p:cSld>
+  <p:clrMapOvr>
+    <a:masterClrMapping/>
+  </p:clrMapOvr>
+  <p:timing>
+    <p:tnLst>
+      <p:par>
+        <p:cTn id="1" dur="indefinite" restart="never" nodeType="tmRoot"/>
+      </p:par>
+    </p:tnLst>
+  </p:timing>
+</p:sld>
+</file>
+
+<file path=ppt/slides/slide8.xml><?xml version="1.0" encoding="utf-8"?>
+<p:sld xmlns:a="http://schemas.openxmlformats.org/drawingml/2006/main" xmlns:r="http://schemas.openxmlformats.org/officeDocument/2006/relationships" xmlns:p="http://schemas.openxmlformats.org/presentationml/2006/main">
+  <p:cSld>
+    <p:spTree>
+      <p:nvGrpSpPr>
+        <p:cNvPr id="1" name=""/>
+        <p:cNvGrpSpPr/>
+        <p:nvPr/>
+      </p:nvGrpSpPr>
+      <p:grpSpPr>
+        <a:xfrm>
+          <a:off x="0" y="0"/>
+          <a:ext cx="0" cy="0"/>
+          <a:chOff x="0" y="0"/>
+          <a:chExt cx="0" cy="0"/>
+        </a:xfrm>
+      </p:grpSpPr>
+      <p:sp>
+        <p:nvSpPr>
+          <p:cNvPr id="2" name="圆角矩形 1"/>
+          <p:cNvSpPr/>
+          <p:nvPr/>
+        </p:nvSpPr>
+        <p:spPr>
+          <a:xfrm>
+            <a:off x="276225" y="809625"/>
+            <a:ext cx="8591550" cy="66675"/>
+          </a:xfrm>
+          <a:prstGeom prst="roundRect">
+            <a:avLst/>
+          </a:prstGeom>
+          <a:solidFill>
+            <a:schemeClr val="accent2"/>
+          </a:solidFill>
+          <a:ln>
+            <a:noFill/>
+          </a:ln>
+          <a:effectLst>
+            <a:outerShdw blurRad="50800" dist="38100" algn="l" rotWithShape="0">
+              <a:prstClr val="black">
+                <a:alpha val="40000"/>
+              </a:prstClr>
+            </a:outerShdw>
+          </a:effectLst>
+        </p:spPr>
+        <p:style>
+          <a:lnRef idx="2">
+            <a:schemeClr val="accent2">
+              <a:shade val="50000"/>
+            </a:schemeClr>
+          </a:lnRef>
+          <a:fillRef idx="1">
+            <a:schemeClr val="accent2"/>
+          </a:fillRef>
+          <a:effectRef idx="0">
+            <a:schemeClr val="accent2"/>
+          </a:effectRef>
+          <a:fontRef idx="minor">
+            <a:schemeClr val="lt1"/>
+          </a:fontRef>
+        </p:style>
+        <p:txBody>
+          <a:bodyPr rtlCol="0" anchor="ctr"/>
+          <a:lstStyle/>
+          <a:p>
+            <a:pPr algn="ctr"/>
+            <a:endParaRPr lang="zh-CN" altLang="en-US">
+              <a:effectLst>
+                <a:outerShdw blurRad="50800" dist="38100" dir="2700000" algn="tl" rotWithShape="0">
+                  <a:prstClr val="black">
+                    <a:alpha val="40000"/>
+                  </a:prstClr>
+                </a:outerShdw>
+              </a:effectLst>
+            </a:endParaRPr>
+          </a:p>
+        </p:txBody>
+      </p:sp>
+      <p:sp>
+        <p:nvSpPr>
+          <p:cNvPr id="3" name="文本框 2"/>
+          <p:cNvSpPr txBox="1"/>
+          <p:nvPr/>
+        </p:nvSpPr>
+        <p:spPr>
+          <a:xfrm>
+            <a:off x="276225" y="276880"/>
+            <a:ext cx="3562350" cy="523220"/>
+          </a:xfrm>
+          <a:prstGeom prst="rect">
+            <a:avLst/>
+          </a:prstGeom>
+          <a:noFill/>
+        </p:spPr>
+        <p:txBody>
+          <a:bodyPr wrap="square" rtlCol="0">
+            <a:spAutoFit/>
+          </a:bodyPr>
+          <a:lstStyle/>
+          <a:p>
+            <a:r>
+              <a:rPr lang="zh-CN" altLang="en-US" sz="2800" b="1" dirty="0" smtClean="0"/>
+              <a:t>镂空二维码</a:t>
+            </a:r>
+            <a:endParaRPr lang="zh-CN" altLang="en-US" sz="2800" b="1" dirty="0"/>
+          </a:p>
+        </p:txBody>
+      </p:sp>
+      <p:sp>
+        <p:nvSpPr>
+          <p:cNvPr id="7" name="文本框 6"/>
+          <p:cNvSpPr txBox="1"/>
+          <p:nvPr/>
+        </p:nvSpPr>
+        <p:spPr>
+          <a:xfrm>
+            <a:off x="276225" y="1126577"/>
+            <a:ext cx="8486775" cy="2308324"/>
+          </a:xfrm>
+          <a:prstGeom prst="rect">
+            <a:avLst/>
+          </a:prstGeom>
+          <a:noFill/>
+        </p:spPr>
+        <p:txBody>
+          <a:bodyPr wrap="square" rtlCol="0">
+            <a:spAutoFit/>
+          </a:bodyPr>
+          <a:lstStyle/>
+          <a:p>
+            <a:pPr marL="342900" indent="-342900">
+              <a:buFont typeface="Arial" panose="020B0604020202020204" pitchFamily="34" charset="0"/>
+              <a:buChar char="•"/>
+            </a:pPr>
+            <a:r>
+              <a:rPr lang="zh-CN" altLang="en-US" sz="2400" dirty="0" smtClean="0"/>
+              <a:t>阅读专利，了解实现方法</a:t>
+            </a:r>
+            <a:endParaRPr lang="en-US" altLang="zh-CN" sz="2400" dirty="0" smtClean="0"/>
+          </a:p>
+          <a:p>
+            <a:pPr marL="800100" lvl="1" indent="-342900">
+              <a:buFont typeface="Arial" panose="020B0604020202020204" pitchFamily="34" charset="0"/>
+              <a:buChar char="•"/>
+            </a:pPr>
+            <a:r>
+              <a:rPr lang="zh-CN" altLang="en-US" sz="2400" dirty="0"/>
+              <a:t>一种可</a:t>
+            </a:r>
+            <a:r>
+              <a:rPr lang="en-US" altLang="zh-CN" sz="2400" dirty="0"/>
+              <a:t>3D</a:t>
+            </a:r>
+            <a:r>
+              <a:rPr lang="zh-CN" altLang="en-US" sz="2400" dirty="0"/>
+              <a:t>打印镂空二维码模型的生成方法及系统</a:t>
+            </a:r>
+            <a:r>
+              <a:rPr lang="en-US" altLang="zh-CN" sz="2400" dirty="0"/>
+              <a:t>.</a:t>
+            </a:r>
+            <a:r>
+              <a:rPr lang="en-US" altLang="zh-CN" sz="2400" dirty="0" smtClean="0"/>
+              <a:t>doc</a:t>
+            </a:r>
+          </a:p>
+          <a:p>
+            <a:pPr marL="342900" indent="-342900">
+              <a:buFont typeface="Arial" panose="020B0604020202020204" pitchFamily="34" charset="0"/>
+              <a:buChar char="•"/>
+            </a:pPr>
+            <a:r>
+              <a:rPr lang="zh-CN" altLang="en-US" sz="2400" dirty="0" smtClean="0"/>
+              <a:t>实现</a:t>
+            </a:r>
+            <a:endParaRPr lang="en-US" altLang="zh-CN" sz="2400" dirty="0" smtClean="0"/>
+          </a:p>
+          <a:p>
+            <a:pPr marL="800100" lvl="1" indent="-342900">
+              <a:buFont typeface="Arial" panose="020B0604020202020204" pitchFamily="34" charset="0"/>
+              <a:buChar char="•"/>
+            </a:pPr>
+            <a:r>
+              <a:rPr lang="zh-CN" altLang="en-US" sz="2400" dirty="0" smtClean="0"/>
+              <a:t>输入：</a:t>
+            </a:r>
+            <a:r>
+              <a:rPr lang="en-US" altLang="zh-CN" sz="2400" dirty="0" smtClean="0"/>
+              <a:t>QR Image</a:t>
+            </a:r>
+          </a:p>
+          <a:p>
+            <a:pPr marL="800100" lvl="1" indent="-342900">
+              <a:buFont typeface="Arial" panose="020B0604020202020204" pitchFamily="34" charset="0"/>
+              <a:buChar char="•"/>
+            </a:pPr>
+            <a:r>
+              <a:rPr lang="zh-CN" altLang="en-US" sz="2400" dirty="0" smtClean="0"/>
+              <a:t>输出：镂空二维码</a:t>
+            </a:r>
+            <a:endParaRPr lang="en-US" altLang="zh-CN" sz="2400" dirty="0" smtClean="0"/>
+          </a:p>
+          <a:p>
+            <a:pPr marL="800100" lvl="1" indent="-342900">
+              <a:buFont typeface="Arial" panose="020B0604020202020204" pitchFamily="34" charset="0"/>
+              <a:buChar char="•"/>
+            </a:pPr>
+            <a:endParaRPr lang="en-US" altLang="zh-CN" sz="2400" dirty="0" smtClean="0"/>
+          </a:p>
+        </p:txBody>
+      </p:sp>
+    </p:spTree>
+    <p:extLst>
+      <p:ext uri="{BB962C8B-B14F-4D97-AF65-F5344CB8AC3E}">
+        <p14:creationId xmlns:p14="http://schemas.microsoft.com/office/powerpoint/2010/main" val="1965440095"/>
+      </p:ext>
+    </p:extLst>
+  </p:cSld>
+  <p:clrMapOvr>
+    <a:masterClrMapping/>
+  </p:clrMapOvr>
+  <p:timing>
+    <p:tnLst>
+      <p:par>
+        <p:cTn id="1" dur="indefinite" restart="never" nodeType="tmRoot"/>
+      </p:par>
+    </p:tnLst>
+  </p:timing>
+</p:sld>
+</file>
+
+<file path=ppt/slides/slide9.xml><?xml version="1.0" encoding="utf-8"?>
+<p:sld xmlns:a="http://schemas.openxmlformats.org/drawingml/2006/main" xmlns:r="http://schemas.openxmlformats.org/officeDocument/2006/relationships" xmlns:p="http://schemas.openxmlformats.org/presentationml/2006/main">
+  <p:cSld>
+    <p:spTree>
+      <p:nvGrpSpPr>
+        <p:cNvPr id="1" name=""/>
+        <p:cNvGrpSpPr/>
+        <p:nvPr/>
+      </p:nvGrpSpPr>
+      <p:grpSpPr>
+        <a:xfrm>
+          <a:off x="0" y="0"/>
+          <a:ext cx="0" cy="0"/>
+          <a:chOff x="0" y="0"/>
+          <a:chExt cx="0" cy="0"/>
+        </a:xfrm>
+      </p:grpSpPr>
+      <p:sp>
+        <p:nvSpPr>
+          <p:cNvPr id="2" name="圆角矩形 1"/>
+          <p:cNvSpPr/>
+          <p:nvPr/>
+        </p:nvSpPr>
+        <p:spPr>
+          <a:xfrm>
+            <a:off x="276225" y="809625"/>
+            <a:ext cx="8591550" cy="66675"/>
+          </a:xfrm>
+          <a:prstGeom prst="roundRect">
+            <a:avLst/>
+          </a:prstGeom>
+          <a:solidFill>
+            <a:schemeClr val="accent2"/>
+          </a:solidFill>
+          <a:ln>
+            <a:noFill/>
+          </a:ln>
+          <a:effectLst>
+            <a:outerShdw blurRad="50800" dist="38100" algn="l" rotWithShape="0">
+              <a:prstClr val="black">
+                <a:alpha val="40000"/>
+              </a:prstClr>
+            </a:outerShdw>
+          </a:effectLst>
+        </p:spPr>
+        <p:style>
+          <a:lnRef idx="2">
+            <a:schemeClr val="accent2">
+              <a:shade val="50000"/>
+            </a:schemeClr>
+          </a:lnRef>
+          <a:fillRef idx="1">
+            <a:schemeClr val="accent2"/>
+          </a:fillRef>
+          <a:effectRef idx="0">
+            <a:schemeClr val="accent2"/>
+          </a:effectRef>
+          <a:fontRef idx="minor">
+            <a:schemeClr val="lt1"/>
+          </a:fontRef>
+        </p:style>
+        <p:txBody>
+          <a:bodyPr rtlCol="0" anchor="ctr"/>
+          <a:lstStyle/>
+          <a:p>
+            <a:pPr algn="ctr"/>
+            <a:endParaRPr lang="zh-CN" altLang="en-US">
+              <a:effectLst>
+                <a:outerShdw blurRad="50800" dist="38100" dir="2700000" algn="tl" rotWithShape="0">
+                  <a:prstClr val="black">
+                    <a:alpha val="40000"/>
+                  </a:prstClr>
+                </a:outerShdw>
+              </a:effectLst>
+            </a:endParaRPr>
+          </a:p>
+        </p:txBody>
+      </p:sp>
+      <p:sp>
+        <p:nvSpPr>
+          <p:cNvPr id="3" name="文本框 2"/>
+          <p:cNvSpPr txBox="1"/>
+          <p:nvPr/>
+        </p:nvSpPr>
+        <p:spPr>
+          <a:xfrm>
+            <a:off x="276225" y="276880"/>
+            <a:ext cx="5334462" cy="523220"/>
+          </a:xfrm>
+          <a:prstGeom prst="rect">
+            <a:avLst/>
+          </a:prstGeom>
+          <a:noFill/>
+        </p:spPr>
+        <p:txBody>
+          <a:bodyPr wrap="square" rtlCol="0">
+            <a:spAutoFit/>
+          </a:bodyPr>
+          <a:lstStyle/>
+          <a:p>
+            <a:r>
+              <a:rPr lang="zh-CN" altLang="en-US" sz="2800" b="1" dirty="0" smtClean="0"/>
+              <a:t>基于环境光遮蔽的立体二维码</a:t>
+            </a:r>
+            <a:endParaRPr lang="zh-CN" altLang="en-US" sz="2800" b="1" dirty="0"/>
+          </a:p>
+        </p:txBody>
+      </p:sp>
+      <p:sp>
+        <p:nvSpPr>
+          <p:cNvPr id="4" name="文本框 3"/>
+          <p:cNvSpPr txBox="1"/>
+          <p:nvPr/>
+        </p:nvSpPr>
+        <p:spPr>
+          <a:xfrm>
+            <a:off x="276225" y="1126577"/>
+            <a:ext cx="8486775" cy="4893647"/>
+          </a:xfrm>
+          <a:prstGeom prst="rect">
+            <a:avLst/>
+          </a:prstGeom>
+          <a:noFill/>
+        </p:spPr>
+        <p:txBody>
+          <a:bodyPr wrap="square" rtlCol="0">
+            <a:spAutoFit/>
+          </a:bodyPr>
+          <a:lstStyle/>
+          <a:p>
+            <a:pPr marL="342900" indent="-342900">
+              <a:buFont typeface="Arial" panose="020B0604020202020204" pitchFamily="34" charset="0"/>
+              <a:buChar char="•"/>
+            </a:pPr>
+            <a:r>
+              <a:rPr lang="zh-CN" altLang="en-US" sz="2400" dirty="0" smtClean="0"/>
+              <a:t>配</a:t>
+            </a:r>
+            <a:r>
+              <a:rPr lang="zh-CN" altLang="en-US" sz="2400" dirty="0"/>
+              <a:t>好</a:t>
+            </a:r>
+            <a:r>
+              <a:rPr lang="en-US" altLang="zh-CN" sz="2400" dirty="0" err="1" smtClean="0"/>
+              <a:t>cgal</a:t>
+            </a:r>
+            <a:endParaRPr lang="en-US" altLang="zh-CN" sz="2400" dirty="0"/>
+          </a:p>
+          <a:p>
+            <a:pPr marL="342900" indent="-342900">
+              <a:buFont typeface="Arial" panose="020B0604020202020204" pitchFamily="34" charset="0"/>
+              <a:buChar char="•"/>
+            </a:pPr>
+            <a:r>
+              <a:rPr lang="zh-CN" altLang="en-US" sz="2400" dirty="0" smtClean="0"/>
+              <a:t>参考</a:t>
+            </a:r>
+            <a:r>
+              <a:rPr lang="en-US" altLang="zh-CN" sz="2400" dirty="0" err="1" smtClean="0"/>
+              <a:t>libigl</a:t>
+            </a:r>
+            <a:r>
+              <a:rPr lang="zh-CN" altLang="en-US" sz="2400" dirty="0" smtClean="0"/>
+              <a:t>教程</a:t>
+            </a:r>
+            <a:r>
+              <a:rPr lang="en-US" altLang="zh-CN" sz="2400" dirty="0">
+                <a:hlinkClick r:id="rId2"/>
+              </a:rPr>
+              <a:t>https://</a:t>
+            </a:r>
+            <a:r>
+              <a:rPr lang="en-US" altLang="zh-CN" sz="2400" dirty="0" smtClean="0">
+                <a:hlinkClick r:id="rId2"/>
+              </a:rPr>
+              <a:t>blog.csdn.net/u014354193/article/details/73380249</a:t>
+            </a:r>
+            <a:endParaRPr lang="en-US" altLang="zh-CN" sz="2400" dirty="0"/>
+          </a:p>
+          <a:p>
+            <a:pPr marL="342900" indent="-342900">
+              <a:buFont typeface="Arial" panose="020B0604020202020204" pitchFamily="34" charset="0"/>
+              <a:buChar char="•"/>
+            </a:pPr>
+            <a:r>
+              <a:rPr lang="zh-CN" altLang="en-US" sz="2400" dirty="0" smtClean="0"/>
+              <a:t>下载</a:t>
+            </a:r>
+            <a:r>
+              <a:rPr lang="zh-CN" altLang="en-US" sz="2400" dirty="0"/>
+              <a:t>这个版本的</a:t>
+            </a:r>
+            <a:r>
+              <a:rPr lang="en-US" altLang="zh-CN" sz="2400" dirty="0" err="1"/>
+              <a:t>libigl</a:t>
+            </a:r>
+            <a:r>
+              <a:rPr lang="zh-CN" altLang="en-US" sz="2400" dirty="0"/>
+              <a:t>（新版的在改版，还不能用。。。）</a:t>
+            </a:r>
+            <a:r>
+              <a:rPr lang="en-US" altLang="zh-CN" sz="2400" dirty="0">
+                <a:hlinkClick r:id="rId3"/>
+              </a:rPr>
+              <a:t>https://</a:t>
+            </a:r>
+            <a:r>
+              <a:rPr lang="en-US" altLang="zh-CN" sz="2400" dirty="0" smtClean="0">
+                <a:hlinkClick r:id="rId3"/>
+              </a:rPr>
+              <a:t>github.com/swannyPeng/libigl</a:t>
+            </a:r>
+            <a:endParaRPr lang="en-US" altLang="zh-CN" sz="2400" dirty="0"/>
+          </a:p>
+          <a:p>
+            <a:pPr marL="342900" indent="-342900">
+              <a:buFont typeface="Arial" panose="020B0604020202020204" pitchFamily="34" charset="0"/>
+              <a:buChar char="•"/>
+            </a:pPr>
+            <a:r>
+              <a:rPr lang="en-US" altLang="zh-CN" sz="2400" dirty="0" smtClean="0"/>
+              <a:t>run</a:t>
+            </a:r>
+          </a:p>
+          <a:p>
+            <a:pPr marL="800100" lvl="1" indent="-342900">
+              <a:buFont typeface="Arial" panose="020B0604020202020204" pitchFamily="34" charset="0"/>
+              <a:buChar char="•"/>
+            </a:pPr>
+            <a:r>
+              <a:rPr lang="en-US" altLang="zh-CN" sz="2400" dirty="0" smtClean="0">
+                <a:hlinkClick r:id="rId4"/>
+              </a:rPr>
+              <a:t>https</a:t>
+            </a:r>
+            <a:r>
+              <a:rPr lang="en-US" altLang="zh-CN" sz="2400" dirty="0">
+                <a:hlinkClick r:id="rId4"/>
+              </a:rPr>
+              <a:t>://</a:t>
+            </a:r>
+            <a:r>
+              <a:rPr lang="en-US" altLang="zh-CN" sz="2400" dirty="0" smtClean="0">
+                <a:hlinkClick r:id="rId4"/>
+              </a:rPr>
+              <a:t>github.com/lorrain0407/QR-Optimization</a:t>
+            </a:r>
+            <a:endParaRPr lang="en-US" altLang="zh-CN" sz="2400" dirty="0" smtClean="0"/>
+          </a:p>
+          <a:p>
+            <a:pPr marL="800100" lvl="1" indent="-342900">
+              <a:buFont typeface="Arial" panose="020B0604020202020204" pitchFamily="34" charset="0"/>
+              <a:buChar char="•"/>
+            </a:pPr>
+            <a:r>
+              <a:rPr lang="en-US" altLang="zh-CN" sz="2400" dirty="0" smtClean="0">
+                <a:hlinkClick r:id="rId5"/>
+              </a:rPr>
+              <a:t>https</a:t>
+            </a:r>
+            <a:r>
+              <a:rPr lang="en-US" altLang="zh-CN" sz="2400" dirty="0">
+                <a:hlinkClick r:id="rId5"/>
+              </a:rPr>
+              <a:t>://</a:t>
+            </a:r>
+            <a:r>
+              <a:rPr lang="en-US" altLang="zh-CN" sz="2400" dirty="0" smtClean="0">
+                <a:hlinkClick r:id="rId5"/>
+              </a:rPr>
+              <a:t>github.com/lorrain0407/3dqrcode_libigl</a:t>
+            </a:r>
+            <a:endParaRPr lang="en-US" altLang="zh-CN" sz="2400" dirty="0" smtClean="0"/>
+          </a:p>
+          <a:p>
+            <a:pPr marL="342900" indent="-342900">
+              <a:buFont typeface="Arial" panose="020B0604020202020204" pitchFamily="34" charset="0"/>
+              <a:buChar char="•"/>
+            </a:pPr>
+            <a:r>
+              <a:rPr lang="zh-CN" altLang="en-US" sz="2400" dirty="0" smtClean="0"/>
+              <a:t>阅读论文，了解实现方法</a:t>
+            </a:r>
+            <a:endParaRPr lang="en-US" altLang="zh-CN" sz="2400" dirty="0" smtClean="0"/>
+          </a:p>
+          <a:p>
+            <a:pPr marL="800100" lvl="1" indent="-342900">
+              <a:buFont typeface="Arial" panose="020B0604020202020204" pitchFamily="34" charset="0"/>
+              <a:buChar char="•"/>
+            </a:pPr>
+            <a:r>
+              <a:rPr lang="zh-CN" altLang="en-US" sz="2400" dirty="0"/>
+              <a:t>基于环境光遮蔽的任意曲面立体二维码建模</a:t>
+            </a:r>
+            <a:r>
+              <a:rPr lang="zh-CN" altLang="en-US" sz="2400" dirty="0" smtClean="0"/>
+              <a:t>方法</a:t>
+            </a:r>
+            <a:endParaRPr lang="en-US" altLang="zh-CN" sz="2400" dirty="0" smtClean="0"/>
+          </a:p>
+          <a:p>
+            <a:pPr marL="342900" indent="-342900">
+              <a:buFont typeface="Arial" panose="020B0604020202020204" pitchFamily="34" charset="0"/>
+              <a:buChar char="•"/>
+            </a:pPr>
+            <a:r>
+              <a:rPr lang="zh-CN" altLang="en-US" sz="2400" dirty="0" smtClean="0"/>
+              <a:t>可能需要一些二维码编码的知识</a:t>
+            </a:r>
+            <a:endParaRPr lang="en-US" altLang="zh-CN" sz="2400" dirty="0" smtClean="0"/>
+          </a:p>
+          <a:p>
+            <a:pPr marL="800100" lvl="1" indent="-342900">
+              <a:buFont typeface="Arial" panose="020B0604020202020204" pitchFamily="34" charset="0"/>
+              <a:buChar char="•"/>
+            </a:pPr>
+            <a:r>
+              <a:rPr lang="zh-CN" altLang="en-US" sz="2400" dirty="0" smtClean="0"/>
+              <a:t>阅读</a:t>
+            </a:r>
+            <a:r>
+              <a:rPr lang="en-US" altLang="zh-CN" sz="2400" dirty="0" err="1" smtClean="0"/>
+              <a:t>QRCode</a:t>
+            </a:r>
+            <a:r>
+              <a:rPr lang="en-US" altLang="zh-CN" sz="2400" dirty="0" smtClean="0"/>
+              <a:t>-</a:t>
+            </a:r>
+            <a:r>
+              <a:rPr lang="zh-CN" altLang="en-US" sz="2400" dirty="0"/>
+              <a:t>编码解码标准</a:t>
+            </a:r>
+            <a:endParaRPr lang="en-US" altLang="zh-CN" sz="2400" dirty="0" smtClean="0"/>
+          </a:p>
+          <a:p>
+            <a:pPr marL="342900" indent="-342900">
+              <a:buFont typeface="Arial" panose="020B0604020202020204" pitchFamily="34" charset="0"/>
+              <a:buChar char="•"/>
+            </a:pPr>
+            <a:r>
+              <a:rPr lang="zh-CN" altLang="en-US" sz="2400" dirty="0" smtClean="0"/>
+              <a:t>重构？重写？封装</a:t>
+            </a:r>
+            <a:r>
+              <a:rPr lang="en-US" altLang="zh-CN" sz="2400" dirty="0" smtClean="0"/>
+              <a:t>…</a:t>
+            </a:r>
           </a:p>
         </p:txBody>
       </p:sp>
